--- a/P8_Big_Data.pptx
+++ b/P8_Big_Data.pptx
@@ -14,6 +14,7 @@
     <p:sldId id="266" r:id="rId8"/>
     <p:sldId id="265" r:id="rId9"/>
     <p:sldId id="263" r:id="rId10"/>
+    <p:sldId id="269" r:id="rId11"/>
   </p:sldIdLst>
   <p:sldSz cx="12192000" cy="6858000"/>
   <p:notesSz cx="6858000" cy="9144000"/>
@@ -5607,6 +5608,218 @@
 </p:sld>
 </file>
 
+<file path=ppt/slides/slide10.xml><?xml version="1.0" encoding="utf-8"?>
+<p:sld xmlns:a="http://schemas.openxmlformats.org/drawingml/2006/main" xmlns:r="http://schemas.openxmlformats.org/officeDocument/2006/relationships" xmlns:p="http://schemas.openxmlformats.org/presentationml/2006/main">
+  <p:cSld>
+    <p:spTree>
+      <p:nvGrpSpPr>
+        <p:cNvPr id="1" name=""/>
+        <p:cNvGrpSpPr/>
+        <p:nvPr/>
+      </p:nvGrpSpPr>
+      <p:grpSpPr>
+        <a:xfrm>
+          <a:off x="0" y="0"/>
+          <a:ext cx="0" cy="0"/>
+          <a:chOff x="0" y="0"/>
+          <a:chExt cx="0" cy="0"/>
+        </a:xfrm>
+      </p:grpSpPr>
+      <p:sp>
+        <p:nvSpPr>
+          <p:cNvPr id="2" name="Titre 1">
+            <a:extLst>
+              <a:ext uri="{FF2B5EF4-FFF2-40B4-BE49-F238E27FC236}">
+                <a16:creationId xmlns:a16="http://schemas.microsoft.com/office/drawing/2014/main" id="{55E31799-1A64-45BE-AAB7-4511B36AAC37}"/>
+              </a:ext>
+            </a:extLst>
+          </p:cNvPr>
+          <p:cNvSpPr>
+            <a:spLocks noGrp="1"/>
+          </p:cNvSpPr>
+          <p:nvPr>
+            <p:ph type="title"/>
+          </p:nvPr>
+        </p:nvSpPr>
+        <p:spPr/>
+        <p:txBody>
+          <a:bodyPr/>
+          <a:lstStyle/>
+          <a:p>
+            <a:endParaRPr lang="en-US"/>
+          </a:p>
+        </p:txBody>
+      </p:sp>
+      <p:sp>
+        <p:nvSpPr>
+          <p:cNvPr id="3" name="Espace réservé du contenu 2">
+            <a:extLst>
+              <a:ext uri="{FF2B5EF4-FFF2-40B4-BE49-F238E27FC236}">
+                <a16:creationId xmlns:a16="http://schemas.microsoft.com/office/drawing/2014/main" id="{18A093C3-B0D4-40A8-B57A-FD2AA6F7146A}"/>
+              </a:ext>
+            </a:extLst>
+          </p:cNvPr>
+          <p:cNvSpPr>
+            <a:spLocks noGrp="1"/>
+          </p:cNvSpPr>
+          <p:nvPr>
+            <p:ph idx="1"/>
+          </p:nvPr>
+        </p:nvSpPr>
+        <p:spPr>
+          <a:xfrm>
+            <a:off x="6096000" y="2222288"/>
+            <a:ext cx="5277286" cy="1806788"/>
+          </a:xfrm>
+        </p:spPr>
+        <p:txBody>
+          <a:bodyPr>
+            <a:normAutofit fontScale="92500" lnSpcReduction="20000"/>
+          </a:bodyPr>
+          <a:lstStyle/>
+          <a:p>
+            <a:r>
+              <a:rPr lang="en-US" dirty="0" err="1"/>
+              <a:t>En</a:t>
+            </a:r>
+            <a:r>
+              <a:rPr lang="en-US" dirty="0"/>
+              <a:t> pratique le framework spark </a:t>
+            </a:r>
+            <a:r>
+              <a:rPr lang="en-US" dirty="0" err="1"/>
+              <a:t>lui</a:t>
+            </a:r>
+            <a:r>
+              <a:rPr lang="en-US" dirty="0"/>
+              <a:t> </a:t>
+            </a:r>
+            <a:r>
+              <a:rPr lang="en-US" dirty="0" err="1"/>
+              <a:t>même</a:t>
+            </a:r>
+            <a:r>
+              <a:rPr lang="en-US" dirty="0"/>
+              <a:t> </a:t>
+            </a:r>
+            <a:r>
+              <a:rPr lang="en-US" dirty="0" err="1"/>
+              <a:t>implique</a:t>
+            </a:r>
+            <a:r>
+              <a:rPr lang="en-US" dirty="0"/>
+              <a:t> de </a:t>
+            </a:r>
+            <a:r>
+              <a:rPr lang="en-US" dirty="0" err="1"/>
+              <a:t>s’imiscer</a:t>
+            </a:r>
+            <a:r>
+              <a:rPr lang="en-US" dirty="0"/>
+              <a:t> dans le detail de </a:t>
+            </a:r>
+            <a:r>
+              <a:rPr lang="en-US" dirty="0" err="1"/>
+              <a:t>chaque</a:t>
+            </a:r>
+            <a:r>
+              <a:rPr lang="en-US" dirty="0"/>
+              <a:t> </a:t>
+            </a:r>
+            <a:r>
+              <a:rPr lang="en-US" dirty="0" err="1"/>
+              <a:t>calcul</a:t>
+            </a:r>
+            <a:r>
+              <a:rPr lang="en-US" dirty="0"/>
+              <a:t> </a:t>
+            </a:r>
+            <a:r>
+              <a:rPr lang="en-US" dirty="0" err="1"/>
+              <a:t>afin</a:t>
+            </a:r>
+            <a:r>
+              <a:rPr lang="en-US" dirty="0"/>
+              <a:t> de </a:t>
+            </a:r>
+            <a:r>
+              <a:rPr lang="en-US" dirty="0" err="1"/>
+              <a:t>définir</a:t>
+            </a:r>
+            <a:r>
+              <a:rPr lang="en-US" dirty="0"/>
+              <a:t> la </a:t>
+            </a:r>
+            <a:r>
+              <a:rPr lang="en-US" dirty="0" err="1"/>
+              <a:t>meilleure</a:t>
+            </a:r>
+            <a:r>
+              <a:rPr lang="en-US" dirty="0"/>
+              <a:t> application possible.</a:t>
+            </a:r>
+          </a:p>
+          <a:p>
+            <a:endParaRPr lang="en-US" dirty="0"/>
+          </a:p>
+          <a:p>
+            <a:r>
+              <a:rPr lang="en-US" dirty="0" err="1"/>
+              <a:t>Chaque</a:t>
+            </a:r>
+            <a:r>
+              <a:rPr lang="en-US" dirty="0"/>
+              <a:t> </a:t>
+            </a:r>
+          </a:p>
+          <a:p>
+            <a:endParaRPr lang="en-US" dirty="0"/>
+          </a:p>
+        </p:txBody>
+      </p:sp>
+      <p:pic>
+        <p:nvPicPr>
+          <p:cNvPr id="5" name="Image 4">
+            <a:extLst>
+              <a:ext uri="{FF2B5EF4-FFF2-40B4-BE49-F238E27FC236}">
+                <a16:creationId xmlns:a16="http://schemas.microsoft.com/office/drawing/2014/main" id="{683C198A-DF50-46CC-B45B-461181E5C762}"/>
+              </a:ext>
+            </a:extLst>
+          </p:cNvPr>
+          <p:cNvPicPr>
+            <a:picLocks noChangeAspect="1"/>
+          </p:cNvPicPr>
+          <p:nvPr/>
+        </p:nvPicPr>
+        <p:blipFill>
+          <a:blip r:embed="rId2"/>
+          <a:stretch>
+            <a:fillRect/>
+          </a:stretch>
+        </p:blipFill>
+        <p:spPr>
+          <a:xfrm>
+            <a:off x="818712" y="1781175"/>
+            <a:ext cx="4337472" cy="3065486"/>
+          </a:xfrm>
+          <a:prstGeom prst="rect">
+            <a:avLst/>
+          </a:prstGeom>
+        </p:spPr>
+      </p:pic>
+    </p:spTree>
+    <p:extLst>
+      <p:ext uri="{BB962C8B-B14F-4D97-AF65-F5344CB8AC3E}">
+        <p14:creationId xmlns:p14="http://schemas.microsoft.com/office/powerpoint/2010/main" val="1061578239"/>
+      </p:ext>
+    </p:extLst>
+  </p:cSld>
+  <p:clrMapOvr>
+    <a:masterClrMapping/>
+  </p:clrMapOvr>
+</p:sld>
+</file>
+
 <file path=ppt/slides/slide2.xml><?xml version="1.0" encoding="utf-8"?>
 <p:sld xmlns:a="http://schemas.openxmlformats.org/drawingml/2006/main" xmlns:r="http://schemas.openxmlformats.org/officeDocument/2006/relationships" xmlns:p="http://schemas.openxmlformats.org/presentationml/2006/main">
   <p:cSld>
@@ -10071,7 +10284,7 @@
             </a:r>
             <a:r>
               <a:rPr lang="en-US" sz="1200" b="1" dirty="0"/>
-              <a:t> :</a:t>
+              <a:t> : ecosystem Hadoop + framework Spark</a:t>
             </a:r>
           </a:p>
           <a:p>

--- a/P8_Big_Data.pptx
+++ b/P8_Big_Data.pptx
@@ -5465,7 +5465,9 @@
             <a:r>
               <a:rPr lang="fr-FR" sz="2400" b="1" i="1" dirty="0">
                 <a:solidFill>
-                  <a:srgbClr val="FFC000"/>
+                  <a:schemeClr val="accent2">
+                    <a:lumMod val="75000"/>
+                  </a:schemeClr>
                 </a:solidFill>
                 <a:effectLst/>
                 <a:latin typeface="Montserrat"/>
@@ -5474,7 +5476,9 @@
             </a:r>
             <a:endParaRPr lang="en-US" sz="2400" b="1" i="1" dirty="0">
               <a:solidFill>
-                <a:srgbClr val="FFC000"/>
+                <a:schemeClr val="accent2">
+                  <a:lumMod val="75000"/>
+                </a:schemeClr>
               </a:solidFill>
             </a:endParaRPr>
           </a:p>
@@ -5539,59 +5543,135 @@
           <a:lstStyle/>
           <a:p>
             <a:r>
-              <a:rPr lang="en-US" dirty="0"/>
+              <a:rPr lang="en-US" dirty="0">
+                <a:solidFill>
+                  <a:schemeClr val="bg1"/>
+                </a:solidFill>
+              </a:rPr>
               <a:t>P8 </a:t>
             </a:r>
             <a:r>
-              <a:rPr lang="en-US" dirty="0" err="1"/>
+              <a:rPr lang="en-US" dirty="0" err="1">
+                <a:solidFill>
+                  <a:schemeClr val="bg1"/>
+                </a:solidFill>
+              </a:rPr>
               <a:t>Datascientist</a:t>
             </a:r>
             <a:r>
-              <a:rPr lang="en-US" dirty="0"/>
+              <a:rPr lang="en-US" dirty="0">
+                <a:solidFill>
+                  <a:schemeClr val="bg1"/>
+                </a:solidFill>
+              </a:rPr>
               <a:t> – </a:t>
             </a:r>
             <a:r>
-              <a:rPr lang="en-US" dirty="0" err="1"/>
+              <a:rPr lang="en-US" dirty="0" err="1">
+                <a:solidFill>
+                  <a:schemeClr val="bg1"/>
+                </a:solidFill>
+              </a:rPr>
               <a:t>OpenClassrooms</a:t>
             </a:r>
-            <a:endParaRPr lang="en-US" dirty="0"/>
-          </a:p>
-          <a:p>
-            <a:r>
-              <a:rPr lang="en-US" dirty="0"/>
+            <a:endParaRPr lang="en-US" dirty="0">
+              <a:solidFill>
+                <a:schemeClr val="bg1"/>
+              </a:solidFill>
+            </a:endParaRPr>
+          </a:p>
+          <a:p>
+            <a:r>
+              <a:rPr lang="en-US" b="1" dirty="0">
+                <a:solidFill>
+                  <a:schemeClr val="bg1"/>
+                </a:solidFill>
+              </a:rPr>
               <a:t>Etienne </a:t>
             </a:r>
             <a:r>
-              <a:rPr lang="en-US" dirty="0" err="1"/>
+              <a:rPr lang="en-US" b="1" dirty="0" err="1">
+                <a:solidFill>
+                  <a:schemeClr val="bg1"/>
+                </a:solidFill>
+              </a:rPr>
               <a:t>Lardeur</a:t>
             </a:r>
-            <a:endParaRPr lang="en-US" dirty="0"/>
-          </a:p>
-          <a:p>
-            <a:r>
-              <a:rPr lang="en-US" dirty="0"/>
-              <a:t>Mentor : Xavier </a:t>
-            </a:r>
-            <a:r>
-              <a:rPr lang="en-US" dirty="0" err="1"/>
+            <a:endParaRPr lang="en-US" b="1" dirty="0">
+              <a:solidFill>
+                <a:schemeClr val="bg1"/>
+              </a:solidFill>
+            </a:endParaRPr>
+          </a:p>
+          <a:p>
+            <a:r>
+              <a:rPr lang="en-US" dirty="0">
+                <a:solidFill>
+                  <a:schemeClr val="bg1"/>
+                </a:solidFill>
+              </a:rPr>
+              <a:t>Mentor : </a:t>
+            </a:r>
+            <a:r>
+              <a:rPr lang="en-US" b="1" dirty="0">
+                <a:solidFill>
+                  <a:schemeClr val="bg1"/>
+                </a:solidFill>
+              </a:rPr>
+              <a:t>Xavier </a:t>
+            </a:r>
+            <a:r>
+              <a:rPr lang="en-US" b="1" dirty="0" err="1">
+                <a:solidFill>
+                  <a:schemeClr val="bg1"/>
+                </a:solidFill>
+              </a:rPr>
               <a:t>Tizon</a:t>
             </a:r>
-            <a:endParaRPr lang="en-US" dirty="0"/>
-          </a:p>
-          <a:p>
-            <a:r>
-              <a:rPr lang="en-US" dirty="0" err="1"/>
+            <a:endParaRPr lang="en-US" b="1" dirty="0">
+              <a:solidFill>
+                <a:schemeClr val="bg1"/>
+              </a:solidFill>
+            </a:endParaRPr>
+          </a:p>
+          <a:p>
+            <a:r>
+              <a:rPr lang="en-US" dirty="0" err="1">
+                <a:solidFill>
+                  <a:schemeClr val="bg1"/>
+                </a:solidFill>
+              </a:rPr>
               <a:t>Evaluateur</a:t>
             </a:r>
             <a:r>
-              <a:rPr lang="en-US" dirty="0"/>
+              <a:rPr lang="en-US" dirty="0">
+                <a:solidFill>
+                  <a:schemeClr val="bg1"/>
+                </a:solidFill>
+              </a:rPr>
               <a:t> : </a:t>
             </a:r>
             <a:r>
-              <a:rPr lang="en-US" dirty="0" err="1"/>
-              <a:t>tbd</a:t>
-            </a:r>
-            <a:endParaRPr lang="en-US" dirty="0"/>
+              <a:rPr lang="en-US" b="1" dirty="0">
+                <a:solidFill>
+                  <a:schemeClr val="bg1"/>
+                </a:solidFill>
+              </a:rPr>
+              <a:t>Julien </a:t>
+            </a:r>
+            <a:r>
+              <a:rPr lang="en-US" b="1" dirty="0" err="1">
+                <a:solidFill>
+                  <a:schemeClr val="bg1"/>
+                </a:solidFill>
+              </a:rPr>
+              <a:t>Heiduck</a:t>
+            </a:r>
+            <a:endParaRPr lang="en-US" b="1" dirty="0">
+              <a:solidFill>
+                <a:schemeClr val="bg1"/>
+              </a:solidFill>
+            </a:endParaRPr>
           </a:p>
         </p:txBody>
       </p:sp>
@@ -5646,7 +5726,19 @@
           <a:bodyPr/>
           <a:lstStyle/>
           <a:p>
-            <a:endParaRPr lang="en-US"/>
+            <a:r>
+              <a:rPr lang="en-US" dirty="0" err="1"/>
+              <a:t>Annexe</a:t>
+            </a:r>
+            <a:r>
+              <a:rPr lang="en-US" dirty="0"/>
+              <a:t> : </a:t>
+            </a:r>
+            <a:r>
+              <a:rPr lang="en-US" dirty="0" err="1"/>
+              <a:t>parallélisation</a:t>
+            </a:r>
+            <a:endParaRPr lang="en-US" dirty="0"/>
           </a:p>
         </p:txBody>
       </p:sp>
@@ -5668,13 +5760,13 @@
         </p:nvSpPr>
         <p:spPr>
           <a:xfrm>
-            <a:off x="6096000" y="2222288"/>
-            <a:ext cx="5277286" cy="1806788"/>
+            <a:off x="441819" y="1750006"/>
+            <a:ext cx="10571998" cy="1506882"/>
           </a:xfrm>
         </p:spPr>
         <p:txBody>
           <a:bodyPr>
-            <a:normAutofit fontScale="92500" lnSpcReduction="20000"/>
+            <a:normAutofit/>
           </a:bodyPr>
           <a:lstStyle/>
           <a:p>
@@ -5744,36 +5836,34 @@
             </a:r>
             <a:r>
               <a:rPr lang="en-US" dirty="0" err="1"/>
-              <a:t>définir</a:t>
-            </a:r>
-            <a:r>
-              <a:rPr lang="en-US" dirty="0"/>
-              <a:t> la </a:t>
-            </a:r>
-            <a:r>
-              <a:rPr lang="en-US" dirty="0" err="1"/>
-              <a:t>meilleure</a:t>
-            </a:r>
-            <a:r>
-              <a:rPr lang="en-US" dirty="0"/>
-              <a:t> application possible.</a:t>
-            </a:r>
-          </a:p>
-          <a:p>
-            <a:endParaRPr lang="en-US" dirty="0"/>
-          </a:p>
-          <a:p>
-            <a:r>
-              <a:rPr lang="en-US" dirty="0" err="1"/>
-              <a:t>Chaque</a:t>
+              <a:t>construire</a:t>
             </a:r>
             <a:r>
               <a:rPr lang="en-US" dirty="0"/>
               <a:t> </a:t>
             </a:r>
-          </a:p>
-          <a:p>
-            <a:endParaRPr lang="en-US" dirty="0"/>
+            <a:r>
+              <a:rPr lang="en-US" dirty="0" err="1"/>
+              <a:t>l’algorithme</a:t>
+            </a:r>
+            <a:r>
+              <a:rPr lang="en-US" dirty="0"/>
+              <a:t> le plus efficient</a:t>
+            </a:r>
+          </a:p>
+          <a:p>
+            <a:r>
+              <a:rPr lang="en-US" dirty="0"/>
+              <a:t>Principe Map-Reduce								</a:t>
+            </a:r>
+            <a:r>
+              <a:rPr lang="en-US" dirty="0" err="1"/>
+              <a:t>Exemple</a:t>
+            </a:r>
+            <a:r>
+              <a:rPr lang="en-US" dirty="0"/>
+              <a:t> de recherche k-NN</a:t>
+            </a:r>
           </a:p>
         </p:txBody>
       </p:sp>
@@ -5799,8 +5889,38 @@
         </p:blipFill>
         <p:spPr>
           <a:xfrm>
-            <a:off x="818712" y="1781175"/>
+            <a:off x="986492" y="3256888"/>
             <a:ext cx="4337472" cy="3065486"/>
+          </a:xfrm>
+          <a:prstGeom prst="rect">
+            <a:avLst/>
+          </a:prstGeom>
+        </p:spPr>
+      </p:pic>
+      <p:pic>
+        <p:nvPicPr>
+          <p:cNvPr id="7" name="Image 6">
+            <a:extLst>
+              <a:ext uri="{FF2B5EF4-FFF2-40B4-BE49-F238E27FC236}">
+                <a16:creationId xmlns:a16="http://schemas.microsoft.com/office/drawing/2014/main" id="{829CE9B1-0C0E-434A-8C40-58CA61EEF645}"/>
+              </a:ext>
+            </a:extLst>
+          </p:cNvPr>
+          <p:cNvPicPr>
+            <a:picLocks noChangeAspect="1"/>
+          </p:cNvPicPr>
+          <p:nvPr/>
+        </p:nvPicPr>
+        <p:blipFill>
+          <a:blip r:embed="rId3"/>
+          <a:stretch>
+            <a:fillRect/>
+          </a:stretch>
+        </p:blipFill>
+        <p:spPr>
+          <a:xfrm>
+            <a:off x="6757065" y="3275445"/>
+            <a:ext cx="4049479" cy="3028373"/>
           </a:xfrm>
           <a:prstGeom prst="rect">
             <a:avLst/>
@@ -6624,7 +6744,7 @@
         </p:nvSpPr>
         <p:spPr>
           <a:xfrm>
-            <a:off x="257121" y="1691804"/>
+            <a:off x="250377" y="1390505"/>
             <a:ext cx="5708673" cy="1920896"/>
           </a:xfrm>
         </p:spPr>
@@ -6768,7 +6888,7 @@
         </p:blipFill>
         <p:spPr>
           <a:xfrm>
-            <a:off x="345898" y="2271130"/>
+            <a:off x="339154" y="1969831"/>
             <a:ext cx="1727745" cy="1258291"/>
           </a:xfrm>
           <a:prstGeom prst="rect">
@@ -6792,7 +6912,7 @@
         </p:nvSpPr>
         <p:spPr>
           <a:xfrm>
-            <a:off x="6095999" y="1436570"/>
+            <a:off x="6089255" y="1135271"/>
             <a:ext cx="5823257" cy="1992430"/>
           </a:xfrm>
           <a:prstGeom prst="rect">
@@ -7064,7 +7184,7 @@
         </p:nvSpPr>
         <p:spPr>
           <a:xfrm>
-            <a:off x="6102744" y="2971779"/>
+            <a:off x="6096000" y="2670480"/>
             <a:ext cx="5823257" cy="807909"/>
           </a:xfrm>
           <a:prstGeom prst="rect">
@@ -7329,7 +7449,7 @@
         </p:nvSpPr>
         <p:spPr>
           <a:xfrm>
-            <a:off x="231910" y="3562801"/>
+            <a:off x="231877" y="3102987"/>
             <a:ext cx="5823257" cy="807909"/>
           </a:xfrm>
           <a:prstGeom prst="rect">
@@ -7561,7 +7681,7 @@
         </p:nvSpPr>
         <p:spPr>
           <a:xfrm>
-            <a:off x="345898" y="4694875"/>
+            <a:off x="339155" y="4050303"/>
             <a:ext cx="1381301" cy="556424"/>
           </a:xfrm>
           <a:prstGeom prst="rect">
@@ -7618,7 +7738,7 @@
         </p:nvSpPr>
         <p:spPr>
           <a:xfrm>
-            <a:off x="4349329" y="4694875"/>
+            <a:off x="4020220" y="4041425"/>
             <a:ext cx="2556792" cy="556424"/>
           </a:xfrm>
           <a:prstGeom prst="rect">
@@ -7646,12 +7766,44 @@
           <a:lstStyle/>
           <a:p>
             <a:r>
-              <a:rPr lang="en-US" b="1" dirty="0" err="1"/>
+              <a:rPr lang="en-US" sz="2400" b="1" i="1" dirty="0" err="1">
+                <a:solidFill>
+                  <a:srgbClr val="00B0F0"/>
+                </a:solidFill>
+                <a:latin typeface="Montserrat"/>
+              </a:rPr>
               <a:t>Featurize</a:t>
             </a:r>
             <a:r>
               <a:rPr lang="en-US" b="1" dirty="0"/>
-              <a:t> &amp; Reduce </a:t>
+              <a:t> </a:t>
+            </a:r>
+            <a:r>
+              <a:rPr lang="en-US" b="1" dirty="0">
+                <a:solidFill>
+                  <a:schemeClr val="bg1"/>
+                </a:solidFill>
+              </a:rPr>
+              <a:t>&amp;</a:t>
+            </a:r>
+            <a:r>
+              <a:rPr lang="en-US" b="1" dirty="0"/>
+              <a:t> </a:t>
+            </a:r>
+            <a:r>
+              <a:rPr lang="en-US" sz="2400" b="1" i="1" dirty="0">
+                <a:solidFill>
+                  <a:schemeClr val="accent2">
+                    <a:lumMod val="75000"/>
+                  </a:schemeClr>
+                </a:solidFill>
+                <a:latin typeface="Montserrat"/>
+              </a:rPr>
+              <a:t>Reduce</a:t>
+            </a:r>
+            <a:r>
+              <a:rPr lang="en-US" b="1" dirty="0"/>
+              <a:t> </a:t>
             </a:r>
             <a:endParaRPr lang="en-US" i="1" dirty="0"/>
           </a:p>
@@ -7671,7 +7823,7 @@
         </p:nvSpPr>
         <p:spPr>
           <a:xfrm>
-            <a:off x="7561560" y="4694874"/>
+            <a:off x="9134605" y="4065684"/>
             <a:ext cx="1115489" cy="556424"/>
           </a:xfrm>
           <a:prstGeom prst="rect">
@@ -7728,8 +7880,8 @@
         </p:nvSpPr>
         <p:spPr>
           <a:xfrm>
-            <a:off x="386010" y="5400418"/>
-            <a:ext cx="1852864" cy="348104"/>
+            <a:off x="379267" y="4755846"/>
+            <a:ext cx="1725876" cy="348104"/>
           </a:xfrm>
           <a:prstGeom prst="rect">
             <a:avLst/>
@@ -7796,8 +7948,8 @@
         </p:nvSpPr>
         <p:spPr>
           <a:xfrm>
-            <a:off x="386010" y="6261020"/>
-            <a:ext cx="1852863" cy="348104"/>
+            <a:off x="379268" y="5616448"/>
+            <a:ext cx="1725876" cy="348104"/>
           </a:xfrm>
           <a:prstGeom prst="rect">
             <a:avLst/>
@@ -7859,7 +8011,7 @@
         </p:nvSpPr>
         <p:spPr>
           <a:xfrm>
-            <a:off x="2476558" y="4694875"/>
+            <a:off x="2232131" y="4050303"/>
             <a:ext cx="1381301" cy="556424"/>
           </a:xfrm>
           <a:prstGeom prst="rect">
@@ -7916,7 +8068,7 @@
         </p:nvSpPr>
         <p:spPr>
           <a:xfrm>
-            <a:off x="1954723" y="4894958"/>
+            <a:off x="1805628" y="4251649"/>
             <a:ext cx="275208" cy="202464"/>
           </a:xfrm>
           <a:prstGeom prst="rightArrow">
@@ -7962,7 +8114,7 @@
         </p:nvSpPr>
         <p:spPr>
           <a:xfrm>
-            <a:off x="3972736" y="4906197"/>
+            <a:off x="3696711" y="4261625"/>
             <a:ext cx="275208" cy="202464"/>
           </a:xfrm>
           <a:prstGeom prst="rightArrow">
@@ -8008,7 +8160,7 @@
         </p:nvSpPr>
         <p:spPr>
           <a:xfrm>
-            <a:off x="7007506" y="4906197"/>
+            <a:off x="8580551" y="4277007"/>
             <a:ext cx="275208" cy="202464"/>
           </a:xfrm>
           <a:prstGeom prst="rightArrow">
@@ -8054,7 +8206,7 @@
         </p:nvSpPr>
         <p:spPr>
           <a:xfrm>
-            <a:off x="7697215" y="5405973"/>
+            <a:off x="9250945" y="4710005"/>
             <a:ext cx="2382899" cy="348104"/>
           </a:xfrm>
           <a:prstGeom prst="rect">
@@ -8122,7 +8274,7 @@
         </p:nvSpPr>
         <p:spPr>
           <a:xfrm>
-            <a:off x="7697215" y="5842854"/>
+            <a:off x="9250945" y="5146886"/>
             <a:ext cx="2382899" cy="348104"/>
           </a:xfrm>
           <a:prstGeom prst="rect">
@@ -8187,7 +8339,7 @@
         </p:nvCxnSpPr>
         <p:spPr>
           <a:xfrm>
-            <a:off x="3150590" y="4074394"/>
+            <a:off x="3143847" y="3429822"/>
             <a:ext cx="0" cy="1679684"/>
           </a:xfrm>
           <a:prstGeom prst="line">
@@ -8226,7 +8378,7 @@
         </p:nvCxnSpPr>
         <p:spPr>
           <a:xfrm>
-            <a:off x="7112342" y="4074394"/>
+            <a:off x="7628375" y="3495584"/>
             <a:ext cx="0" cy="1403024"/>
           </a:xfrm>
           <a:prstGeom prst="line">
@@ -8265,8 +8417,8 @@
         </p:nvSpPr>
         <p:spPr>
           <a:xfrm>
-            <a:off x="386009" y="5830719"/>
-            <a:ext cx="1852864" cy="348104"/>
+            <a:off x="379266" y="5186147"/>
+            <a:ext cx="1725877" cy="348104"/>
           </a:xfrm>
           <a:prstGeom prst="rect">
             <a:avLst/>
@@ -8343,8 +8495,8 @@
         </p:nvCxnSpPr>
         <p:spPr>
           <a:xfrm>
-            <a:off x="3302493" y="4274569"/>
-            <a:ext cx="3603628" cy="0"/>
+            <a:off x="3379000" y="3864889"/>
+            <a:ext cx="4122404" cy="0"/>
           </a:xfrm>
           <a:prstGeom prst="straightConnector1">
             <a:avLst/>
@@ -8386,8 +8538,8 @@
         </p:nvSpPr>
         <p:spPr>
           <a:xfrm>
-            <a:off x="2575890" y="5438682"/>
-            <a:ext cx="1852864" cy="348104"/>
+            <a:off x="2311364" y="4751731"/>
+            <a:ext cx="1650798" cy="348104"/>
           </a:xfrm>
           <a:prstGeom prst="rect">
             <a:avLst/>
@@ -8457,7 +8609,7 @@
         </p:nvCxnSpPr>
         <p:spPr>
           <a:xfrm>
-            <a:off x="345898" y="4973087"/>
+            <a:off x="339155" y="4328515"/>
             <a:ext cx="0" cy="0"/>
           </a:xfrm>
           <a:prstGeom prst="line">
@@ -8489,6 +8641,7 @@
             </a:extLst>
           </p:cNvPr>
           <p:cNvCxnSpPr>
+            <a:cxnSpLocks/>
             <a:stCxn id="11" idx="1"/>
             <a:endCxn id="28" idx="1"/>
           </p:cNvCxnSpPr>
@@ -8496,7 +8649,7 @@
         </p:nvCxnSpPr>
         <p:spPr>
           <a:xfrm rot="10800000" flipH="1" flipV="1">
-            <a:off x="345898" y="4973086"/>
+            <a:off x="339155" y="4328514"/>
             <a:ext cx="40112" cy="601383"/>
           </a:xfrm>
           <a:prstGeom prst="bentConnector3">
@@ -8530,6 +8683,7 @@
             </a:extLst>
           </p:cNvPr>
           <p:cNvCxnSpPr>
+            <a:cxnSpLocks/>
             <a:stCxn id="11" idx="1"/>
             <a:endCxn id="42" idx="1"/>
           </p:cNvCxnSpPr>
@@ -8537,7 +8691,7 @@
         </p:nvCxnSpPr>
         <p:spPr>
           <a:xfrm rot="10800000" flipH="1" flipV="1">
-            <a:off x="345897" y="4973087"/>
+            <a:off x="339154" y="4328515"/>
             <a:ext cx="40111" cy="1031684"/>
           </a:xfrm>
           <a:prstGeom prst="bentConnector3">
@@ -8571,6 +8725,7 @@
             </a:extLst>
           </p:cNvPr>
           <p:cNvCxnSpPr>
+            <a:cxnSpLocks/>
             <a:stCxn id="11" idx="1"/>
             <a:endCxn id="29" idx="1"/>
           </p:cNvCxnSpPr>
@@ -8578,12 +8733,12 @@
         </p:nvCxnSpPr>
         <p:spPr>
           <a:xfrm rot="10800000" flipH="1" flipV="1">
-            <a:off x="345898" y="4973086"/>
-            <a:ext cx="40112" cy="1461985"/>
+            <a:off x="339154" y="4328514"/>
+            <a:ext cx="40113" cy="1461985"/>
           </a:xfrm>
           <a:prstGeom prst="bentConnector3">
             <a:avLst>
-              <a:gd name="adj1" fmla="val -569904"/>
+              <a:gd name="adj1" fmla="val -569890"/>
             </a:avLst>
           </a:prstGeom>
         </p:spPr>
@@ -8612,6 +8767,7 @@
             </a:extLst>
           </p:cNvPr>
           <p:cNvCxnSpPr>
+            <a:cxnSpLocks/>
             <a:stCxn id="30" idx="1"/>
             <a:endCxn id="47" idx="1"/>
           </p:cNvCxnSpPr>
@@ -8619,12 +8775,12 @@
         </p:nvCxnSpPr>
         <p:spPr>
           <a:xfrm rot="10800000" flipH="1" flipV="1">
-            <a:off x="2476558" y="4973086"/>
-            <a:ext cx="99332" cy="639647"/>
+            <a:off x="2232130" y="4328515"/>
+            <a:ext cx="79233" cy="597268"/>
           </a:xfrm>
           <a:prstGeom prst="bentConnector3">
             <a:avLst>
-              <a:gd name="adj1" fmla="val -122889"/>
+              <a:gd name="adj1" fmla="val -87349"/>
             </a:avLst>
           </a:prstGeom>
         </p:spPr>
@@ -8660,12 +8816,12 @@
         </p:nvCxnSpPr>
         <p:spPr>
           <a:xfrm rot="10800000" flipH="1" flipV="1">
-            <a:off x="7561559" y="4973085"/>
-            <a:ext cx="135655" cy="606939"/>
+            <a:off x="9134605" y="4343895"/>
+            <a:ext cx="116340" cy="540161"/>
           </a:xfrm>
           <a:prstGeom prst="bentConnector3">
             <a:avLst>
-              <a:gd name="adj1" fmla="val -168516"/>
+              <a:gd name="adj1" fmla="val -196493"/>
             </a:avLst>
           </a:prstGeom>
         </p:spPr>
@@ -8701,12 +8857,12 @@
         </p:nvCxnSpPr>
         <p:spPr>
           <a:xfrm rot="10800000" flipH="1" flipV="1">
-            <a:off x="7561559" y="4973086"/>
-            <a:ext cx="135655" cy="1043820"/>
+            <a:off x="9134605" y="4343896"/>
+            <a:ext cx="116340" cy="977042"/>
           </a:xfrm>
           <a:prstGeom prst="bentConnector3">
             <a:avLst>
-              <a:gd name="adj1" fmla="val -168516"/>
+              <a:gd name="adj1" fmla="val -196493"/>
             </a:avLst>
           </a:prstGeom>
         </p:spPr>
@@ -8739,8 +8895,8 @@
         </p:nvSpPr>
         <p:spPr>
           <a:xfrm>
-            <a:off x="4385909" y="3905237"/>
-            <a:ext cx="1491114" cy="369332"/>
+            <a:off x="4383548" y="3470831"/>
+            <a:ext cx="1947969" cy="369332"/>
           </a:xfrm>
           <a:prstGeom prst="rect">
             <a:avLst/>
@@ -8754,12 +8910,8 @@
           <a:lstStyle/>
           <a:p>
             <a:r>
-              <a:rPr lang="en-US" i="1" dirty="0" err="1"/>
-              <a:t>notre</a:t>
-            </a:r>
-            <a:r>
               <a:rPr lang="en-US" i="1" dirty="0"/>
-              <a:t> </a:t>
+              <a:t>“feature” </a:t>
             </a:r>
             <a:r>
               <a:rPr lang="en-US" i="1" dirty="0" err="1"/>
@@ -8783,8 +8935,361 @@
         </p:nvSpPr>
         <p:spPr>
           <a:xfrm>
-            <a:off x="10710179" y="5765570"/>
-            <a:ext cx="1343638" cy="923330"/>
+            <a:off x="5587584" y="5054573"/>
+            <a:ext cx="6682708" cy="738664"/>
+          </a:xfrm>
+          <a:prstGeom prst="rect">
+            <a:avLst/>
+          </a:prstGeom>
+          <a:noFill/>
+        </p:spPr>
+        <p:txBody>
+          <a:bodyPr wrap="square" rtlCol="0">
+            <a:spAutoFit/>
+          </a:bodyPr>
+          <a:lstStyle/>
+          <a:p>
+            <a:r>
+              <a:rPr lang="en-US" sz="1400" dirty="0" err="1"/>
+              <a:t>Métriques</a:t>
+            </a:r>
+            <a:r>
+              <a:rPr lang="en-US" sz="1400" dirty="0"/>
+              <a:t>: </a:t>
+            </a:r>
+            <a:r>
+              <a:rPr lang="en-US" sz="1400" i="1" dirty="0" err="1"/>
+              <a:t>précision</a:t>
+            </a:r>
+            <a:r>
+              <a:rPr lang="en-US" sz="1400" i="1" dirty="0"/>
+              <a:t> et </a:t>
+            </a:r>
+            <a:r>
+              <a:rPr lang="en-US" sz="1400" i="1" dirty="0" err="1"/>
+              <a:t>rapidité</a:t>
+            </a:r>
+            <a:endParaRPr lang="en-US" sz="1400" i="1" dirty="0"/>
+          </a:p>
+          <a:p>
+            <a:r>
+              <a:rPr lang="en-US" sz="1400" dirty="0" err="1"/>
+              <a:t>Enjeu</a:t>
+            </a:r>
+            <a:r>
+              <a:rPr lang="en-US" sz="1400" dirty="0"/>
+              <a:t>: </a:t>
+            </a:r>
+            <a:r>
+              <a:rPr lang="en-US" sz="1400" i="1" dirty="0" err="1"/>
+              <a:t>parallélisation</a:t>
+            </a:r>
+            <a:endParaRPr lang="en-US" sz="1400" i="1" dirty="0"/>
+          </a:p>
+          <a:p>
+            <a:r>
+              <a:rPr lang="en-US" sz="1400" b="1" dirty="0" err="1"/>
+              <a:t>Contexte</a:t>
+            </a:r>
+            <a:r>
+              <a:rPr lang="en-US" sz="1400" b="1" dirty="0"/>
+              <a:t> : </a:t>
+            </a:r>
+            <a:r>
+              <a:rPr lang="en-US" sz="1400" dirty="0" err="1">
+                <a:hlinkClick r:id="rId3"/>
+              </a:rPr>
+              <a:t>DataOps</a:t>
+            </a:r>
+            <a:r>
+              <a:rPr lang="en-US" sz="1400" dirty="0"/>
+              <a:t> (ref. </a:t>
+            </a:r>
+            <a:r>
+              <a:rPr lang="en-US" sz="1400" dirty="0" err="1"/>
+              <a:t>Saagie</a:t>
+            </a:r>
+            <a:r>
+              <a:rPr lang="en-US" sz="1400" dirty="0"/>
+              <a:t>), </a:t>
+            </a:r>
+            <a:r>
+              <a:rPr lang="en-US" sz="1400" dirty="0">
+                <a:hlinkClick r:id="rId4"/>
+              </a:rPr>
+              <a:t>landscape Data &amp; AI</a:t>
+            </a:r>
+            <a:r>
+              <a:rPr lang="en-US" sz="1400" dirty="0"/>
+              <a:t> (ref. </a:t>
+            </a:r>
+            <a:r>
+              <a:rPr lang="en-US" sz="1400" dirty="0" err="1"/>
+              <a:t>FirstMarck</a:t>
+            </a:r>
+            <a:r>
+              <a:rPr lang="en-US" sz="1400" dirty="0"/>
+              <a:t>)</a:t>
+            </a:r>
+          </a:p>
+        </p:txBody>
+      </p:sp>
+      <p:sp>
+        <p:nvSpPr>
+          <p:cNvPr id="88" name="Rectangle 87">
+            <a:extLst>
+              <a:ext uri="{FF2B5EF4-FFF2-40B4-BE49-F238E27FC236}">
+                <a16:creationId xmlns:a16="http://schemas.microsoft.com/office/drawing/2014/main" id="{826F17FD-01E7-4661-84FD-70663E4B162F}"/>
+              </a:ext>
+            </a:extLst>
+          </p:cNvPr>
+          <p:cNvSpPr/>
+          <p:nvPr/>
+        </p:nvSpPr>
+        <p:spPr>
+          <a:xfrm>
+            <a:off x="6982628" y="4050303"/>
+            <a:ext cx="1532381" cy="556424"/>
+          </a:xfrm>
+          <a:prstGeom prst="rect">
+            <a:avLst/>
+          </a:prstGeom>
+          <a:pattFill prst="pct80">
+            <a:fgClr>
+              <a:schemeClr val="accent1"/>
+            </a:fgClr>
+            <a:bgClr>
+              <a:schemeClr val="bg1"/>
+            </a:bgClr>
+          </a:pattFill>
+        </p:spPr>
+        <p:style>
+          <a:lnRef idx="2">
+            <a:schemeClr val="accent1">
+              <a:shade val="50000"/>
+            </a:schemeClr>
+          </a:lnRef>
+          <a:fillRef idx="1">
+            <a:schemeClr val="accent1"/>
+          </a:fillRef>
+          <a:effectRef idx="0">
+            <a:schemeClr val="accent1"/>
+          </a:effectRef>
+          <a:fontRef idx="minor">
+            <a:schemeClr val="lt1"/>
+          </a:fontRef>
+        </p:style>
+        <p:txBody>
+          <a:bodyPr rtlCol="0" anchor="ctr"/>
+          <a:lstStyle/>
+          <a:p>
+            <a:r>
+              <a:rPr lang="en-US" b="1" dirty="0"/>
+              <a:t>Store results</a:t>
+            </a:r>
+          </a:p>
+        </p:txBody>
+      </p:sp>
+      <p:sp>
+        <p:nvSpPr>
+          <p:cNvPr id="89" name="Flèche : droite 88">
+            <a:extLst>
+              <a:ext uri="{FF2B5EF4-FFF2-40B4-BE49-F238E27FC236}">
+                <a16:creationId xmlns:a16="http://schemas.microsoft.com/office/drawing/2014/main" id="{71D1E672-9992-41AD-AFC5-893F23D9F3BB}"/>
+              </a:ext>
+            </a:extLst>
+          </p:cNvPr>
+          <p:cNvSpPr/>
+          <p:nvPr/>
+        </p:nvSpPr>
+        <p:spPr>
+          <a:xfrm>
+            <a:off x="6617691" y="4261625"/>
+            <a:ext cx="275208" cy="202464"/>
+          </a:xfrm>
+          <a:prstGeom prst="rightArrow">
+            <a:avLst/>
+          </a:prstGeom>
+        </p:spPr>
+        <p:style>
+          <a:lnRef idx="2">
+            <a:schemeClr val="accent1">
+              <a:shade val="50000"/>
+            </a:schemeClr>
+          </a:lnRef>
+          <a:fillRef idx="1">
+            <a:schemeClr val="accent1"/>
+          </a:fillRef>
+          <a:effectRef idx="0">
+            <a:schemeClr val="accent1"/>
+          </a:effectRef>
+          <a:fontRef idx="minor">
+            <a:schemeClr val="lt1"/>
+          </a:fontRef>
+        </p:style>
+        <p:txBody>
+          <a:bodyPr rtlCol="0" anchor="ctr"/>
+          <a:lstStyle/>
+          <a:p>
+            <a:pPr algn="ctr"/>
+            <a:endParaRPr lang="en-US"/>
+          </a:p>
+        </p:txBody>
+      </p:sp>
+      <p:pic>
+        <p:nvPicPr>
+          <p:cNvPr id="100" name="Graphique 99" descr="Profil mâle avec un remplissage uni">
+            <a:extLst>
+              <a:ext uri="{FF2B5EF4-FFF2-40B4-BE49-F238E27FC236}">
+                <a16:creationId xmlns:a16="http://schemas.microsoft.com/office/drawing/2014/main" id="{C632664B-D893-486C-95C9-EFF410207340}"/>
+              </a:ext>
+            </a:extLst>
+          </p:cNvPr>
+          <p:cNvPicPr>
+            <a:picLocks noChangeAspect="1"/>
+          </p:cNvPicPr>
+          <p:nvPr/>
+        </p:nvPicPr>
+        <p:blipFill>
+          <a:blip r:embed="rId5">
+            <a:extLst>
+              <a:ext uri="{96DAC541-7B7A-43D3-8B79-37D633B846F1}">
+                <asvg:svgBlip xmlns:asvg="http://schemas.microsoft.com/office/drawing/2016/SVG/main" r:embed="rId6"/>
+              </a:ext>
+            </a:extLst>
+          </a:blip>
+          <a:stretch>
+            <a:fillRect/>
+          </a:stretch>
+        </p:blipFill>
+        <p:spPr>
+          <a:xfrm>
+            <a:off x="4582873" y="5146412"/>
+            <a:ext cx="447222" cy="447222"/>
+          </a:xfrm>
+          <a:prstGeom prst="rect">
+            <a:avLst/>
+          </a:prstGeom>
+        </p:spPr>
+      </p:pic>
+      <p:pic>
+        <p:nvPicPr>
+          <p:cNvPr id="101" name="Graphique 100" descr="Profil mâle avec un remplissage uni">
+            <a:extLst>
+              <a:ext uri="{FF2B5EF4-FFF2-40B4-BE49-F238E27FC236}">
+                <a16:creationId xmlns:a16="http://schemas.microsoft.com/office/drawing/2014/main" id="{47FF5075-A7FB-4390-B144-1168EA549372}"/>
+              </a:ext>
+            </a:extLst>
+          </p:cNvPr>
+          <p:cNvPicPr>
+            <a:picLocks noChangeAspect="1"/>
+          </p:cNvPicPr>
+          <p:nvPr/>
+        </p:nvPicPr>
+        <p:blipFill>
+          <a:blip r:embed="rId7">
+            <a:extLst>
+              <a:ext uri="{96DAC541-7B7A-43D3-8B79-37D633B846F1}">
+                <asvg:svgBlip xmlns:asvg="http://schemas.microsoft.com/office/drawing/2016/SVG/main" r:embed="rId8"/>
+              </a:ext>
+            </a:extLst>
+          </a:blip>
+          <a:stretch>
+            <a:fillRect/>
+          </a:stretch>
+        </p:blipFill>
+        <p:spPr>
+          <a:xfrm>
+            <a:off x="4796302" y="5370023"/>
+            <a:ext cx="447222" cy="447222"/>
+          </a:xfrm>
+          <a:prstGeom prst="rect">
+            <a:avLst/>
+          </a:prstGeom>
+        </p:spPr>
+      </p:pic>
+      <p:pic>
+        <p:nvPicPr>
+          <p:cNvPr id="102" name="Graphique 101" descr="Profil mâle avec un remplissage uni">
+            <a:extLst>
+              <a:ext uri="{FF2B5EF4-FFF2-40B4-BE49-F238E27FC236}">
+                <a16:creationId xmlns:a16="http://schemas.microsoft.com/office/drawing/2014/main" id="{463A5386-01FA-4BEE-8076-E0F50EA8C494}"/>
+              </a:ext>
+            </a:extLst>
+          </p:cNvPr>
+          <p:cNvPicPr>
+            <a:picLocks noChangeAspect="1"/>
+          </p:cNvPicPr>
+          <p:nvPr/>
+        </p:nvPicPr>
+        <p:blipFill>
+          <a:blip r:embed="rId9">
+            <a:extLst>
+              <a:ext uri="{96DAC541-7B7A-43D3-8B79-37D633B846F1}">
+                <asvg:svgBlip xmlns:asvg="http://schemas.microsoft.com/office/drawing/2016/SVG/main" r:embed="rId10"/>
+              </a:ext>
+            </a:extLst>
+          </a:blip>
+          <a:stretch>
+            <a:fillRect/>
+          </a:stretch>
+        </p:blipFill>
+        <p:spPr>
+          <a:xfrm>
+            <a:off x="4369443" y="5452750"/>
+            <a:ext cx="447222" cy="447222"/>
+          </a:xfrm>
+          <a:prstGeom prst="rect">
+            <a:avLst/>
+          </a:prstGeom>
+        </p:spPr>
+      </p:pic>
+      <p:pic>
+        <p:nvPicPr>
+          <p:cNvPr id="106" name="Image 105">
+            <a:extLst>
+              <a:ext uri="{FF2B5EF4-FFF2-40B4-BE49-F238E27FC236}">
+                <a16:creationId xmlns:a16="http://schemas.microsoft.com/office/drawing/2014/main" id="{4429151D-1B93-44C0-9731-AB8829AD8851}"/>
+              </a:ext>
+            </a:extLst>
+          </p:cNvPr>
+          <p:cNvPicPr>
+            <a:picLocks noChangeAspect="1"/>
+          </p:cNvPicPr>
+          <p:nvPr/>
+        </p:nvPicPr>
+        <p:blipFill>
+          <a:blip r:embed="rId11"/>
+          <a:stretch>
+            <a:fillRect/>
+          </a:stretch>
+        </p:blipFill>
+        <p:spPr>
+          <a:xfrm>
+            <a:off x="5664216" y="5787532"/>
+            <a:ext cx="3119492" cy="955973"/>
+          </a:xfrm>
+          <a:prstGeom prst="rect">
+            <a:avLst/>
+          </a:prstGeom>
+        </p:spPr>
+      </p:pic>
+      <p:sp>
+        <p:nvSpPr>
+          <p:cNvPr id="128" name="ZoneTexte 127">
+            <a:extLst>
+              <a:ext uri="{FF2B5EF4-FFF2-40B4-BE49-F238E27FC236}">
+                <a16:creationId xmlns:a16="http://schemas.microsoft.com/office/drawing/2014/main" id="{7B353B3B-4027-417D-80E8-E8DDDD38A20D}"/>
+              </a:ext>
+            </a:extLst>
+          </p:cNvPr>
+          <p:cNvSpPr txBox="1"/>
+          <p:nvPr/>
+        </p:nvSpPr>
+        <p:spPr>
+          <a:xfrm>
+            <a:off x="4548180" y="5809416"/>
+            <a:ext cx="1088760" cy="769441"/>
           </a:xfrm>
           <a:prstGeom prst="rect">
             <a:avLst/>
@@ -8798,38 +9303,353 @@
           <a:lstStyle/>
           <a:p>
             <a:r>
-              <a:rPr lang="en-US" i="1" dirty="0" err="1"/>
-              <a:t>Métriques</a:t>
-            </a:r>
-            <a:r>
-              <a:rPr lang="en-US" i="1" dirty="0"/>
-              <a:t>:</a:t>
-            </a:r>
-          </a:p>
-          <a:p>
-            <a:r>
-              <a:rPr lang="en-US" i="1" dirty="0"/>
-              <a:t>- </a:t>
-            </a:r>
-            <a:r>
-              <a:rPr lang="en-US" i="1" dirty="0" err="1"/>
-              <a:t>Rapidité</a:t>
-            </a:r>
-            <a:endParaRPr lang="en-US" i="1" dirty="0"/>
-          </a:p>
-          <a:p>
-            <a:r>
-              <a:rPr lang="en-US" i="1" dirty="0"/>
-              <a:t>- </a:t>
-            </a:r>
-            <a:r>
-              <a:rPr lang="en-US" i="1" dirty="0" err="1"/>
-              <a:t>Précision</a:t>
-            </a:r>
-            <a:endParaRPr lang="en-US" i="1" dirty="0"/>
+              <a:rPr lang="en-US" sz="1100" dirty="0"/>
+              <a:t>Team Data…</a:t>
+            </a:r>
+          </a:p>
+          <a:p>
+            <a:r>
+              <a:rPr lang="en-US" sz="1100" dirty="0"/>
+              <a:t>Engineer</a:t>
+            </a:r>
+          </a:p>
+          <a:p>
+            <a:r>
+              <a:rPr lang="en-US" sz="1100" b="1" dirty="0"/>
+              <a:t> </a:t>
+            </a:r>
+            <a:r>
+              <a:rPr lang="en-US" sz="1100" b="1" dirty="0">
+                <a:solidFill>
+                  <a:srgbClr val="92D050"/>
+                </a:solidFill>
+              </a:rPr>
+              <a:t>- Architect -</a:t>
+            </a:r>
+          </a:p>
+          <a:p>
+            <a:r>
+              <a:rPr lang="en-US" sz="1100" dirty="0"/>
+              <a:t>Scientist</a:t>
+            </a:r>
           </a:p>
         </p:txBody>
       </p:sp>
+      <p:pic>
+        <p:nvPicPr>
+          <p:cNvPr id="131" name="Graphique 130" descr="Profil mâle avec un remplissage uni">
+            <a:extLst>
+              <a:ext uri="{FF2B5EF4-FFF2-40B4-BE49-F238E27FC236}">
+                <a16:creationId xmlns:a16="http://schemas.microsoft.com/office/drawing/2014/main" id="{11697EA5-D132-48FD-BEB0-1DD4BF250A0C}"/>
+              </a:ext>
+            </a:extLst>
+          </p:cNvPr>
+          <p:cNvPicPr>
+            <a:picLocks noChangeAspect="1"/>
+          </p:cNvPicPr>
+          <p:nvPr/>
+        </p:nvPicPr>
+        <p:blipFill>
+          <a:blip r:embed="rId12">
+            <a:extLst>
+              <a:ext uri="{96DAC541-7B7A-43D3-8B79-37D633B846F1}">
+                <asvg:svgBlip xmlns:asvg="http://schemas.microsoft.com/office/drawing/2016/SVG/main" r:embed="rId13"/>
+              </a:ext>
+            </a:extLst>
+          </a:blip>
+          <a:stretch>
+            <a:fillRect/>
+          </a:stretch>
+        </p:blipFill>
+        <p:spPr>
+          <a:xfrm>
+            <a:off x="3364732" y="5151485"/>
+            <a:ext cx="447222" cy="447222"/>
+          </a:xfrm>
+          <a:prstGeom prst="rect">
+            <a:avLst/>
+          </a:prstGeom>
+        </p:spPr>
+      </p:pic>
+      <p:pic>
+        <p:nvPicPr>
+          <p:cNvPr id="132" name="Graphique 131" descr="Profil mâle avec un remplissage uni">
+            <a:extLst>
+              <a:ext uri="{FF2B5EF4-FFF2-40B4-BE49-F238E27FC236}">
+                <a16:creationId xmlns:a16="http://schemas.microsoft.com/office/drawing/2014/main" id="{AD3DFA73-0179-4827-ABC9-0B4C0E1D485B}"/>
+              </a:ext>
+            </a:extLst>
+          </p:cNvPr>
+          <p:cNvPicPr>
+            <a:picLocks noChangeAspect="1"/>
+          </p:cNvPicPr>
+          <p:nvPr/>
+        </p:nvPicPr>
+        <p:blipFill>
+          <a:blip r:embed="rId14">
+            <a:extLst>
+              <a:ext uri="{96DAC541-7B7A-43D3-8B79-37D633B846F1}">
+                <asvg:svgBlip xmlns:asvg="http://schemas.microsoft.com/office/drawing/2016/SVG/main" r:embed="rId15"/>
+              </a:ext>
+            </a:extLst>
+          </a:blip>
+          <a:stretch>
+            <a:fillRect/>
+          </a:stretch>
+        </p:blipFill>
+        <p:spPr>
+          <a:xfrm>
+            <a:off x="3627169" y="5286041"/>
+            <a:ext cx="447222" cy="447222"/>
+          </a:xfrm>
+          <a:prstGeom prst="rect">
+            <a:avLst/>
+          </a:prstGeom>
+        </p:spPr>
+      </p:pic>
+      <p:pic>
+        <p:nvPicPr>
+          <p:cNvPr id="133" name="Graphique 132" descr="Profil mâle avec un remplissage uni">
+            <a:extLst>
+              <a:ext uri="{FF2B5EF4-FFF2-40B4-BE49-F238E27FC236}">
+                <a16:creationId xmlns:a16="http://schemas.microsoft.com/office/drawing/2014/main" id="{72AEA5BD-1E64-40F4-A5C8-305CFFC331E9}"/>
+              </a:ext>
+            </a:extLst>
+          </p:cNvPr>
+          <p:cNvPicPr>
+            <a:picLocks noChangeAspect="1"/>
+          </p:cNvPicPr>
+          <p:nvPr/>
+        </p:nvPicPr>
+        <p:blipFill>
+          <a:blip r:embed="rId16">
+            <a:extLst>
+              <a:ext uri="{96DAC541-7B7A-43D3-8B79-37D633B846F1}">
+                <asvg:svgBlip xmlns:asvg="http://schemas.microsoft.com/office/drawing/2016/SVG/main" r:embed="rId17"/>
+              </a:ext>
+            </a:extLst>
+          </a:blip>
+          <a:stretch>
+            <a:fillRect/>
+          </a:stretch>
+        </p:blipFill>
+        <p:spPr>
+          <a:xfrm>
+            <a:off x="3151302" y="5457823"/>
+            <a:ext cx="447222" cy="447222"/>
+          </a:xfrm>
+          <a:prstGeom prst="rect">
+            <a:avLst/>
+          </a:prstGeom>
+        </p:spPr>
+      </p:pic>
+      <p:sp>
+        <p:nvSpPr>
+          <p:cNvPr id="135" name="ZoneTexte 134">
+            <a:extLst>
+              <a:ext uri="{FF2B5EF4-FFF2-40B4-BE49-F238E27FC236}">
+                <a16:creationId xmlns:a16="http://schemas.microsoft.com/office/drawing/2014/main" id="{D6364F3C-CFAD-4378-A9B9-BFD28EDF5544}"/>
+              </a:ext>
+            </a:extLst>
+          </p:cNvPr>
+          <p:cNvSpPr txBox="1"/>
+          <p:nvPr/>
+        </p:nvSpPr>
+        <p:spPr>
+          <a:xfrm>
+            <a:off x="3513152" y="5692460"/>
+            <a:ext cx="721672" cy="261610"/>
+          </a:xfrm>
+          <a:prstGeom prst="rect">
+            <a:avLst/>
+          </a:prstGeom>
+          <a:noFill/>
+        </p:spPr>
+        <p:txBody>
+          <a:bodyPr wrap="none" rtlCol="0">
+            <a:spAutoFit/>
+          </a:bodyPr>
+          <a:lstStyle/>
+          <a:p>
+            <a:r>
+              <a:rPr lang="en-US" sz="1100" dirty="0"/>
+              <a:t>Business</a:t>
+            </a:r>
+          </a:p>
+        </p:txBody>
+      </p:sp>
+      <p:pic>
+        <p:nvPicPr>
+          <p:cNvPr id="136" name="Graphique 135" descr="Profil mâle avec un remplissage uni">
+            <a:extLst>
+              <a:ext uri="{FF2B5EF4-FFF2-40B4-BE49-F238E27FC236}">
+                <a16:creationId xmlns:a16="http://schemas.microsoft.com/office/drawing/2014/main" id="{7232ABA7-9D03-4C1B-8048-8321FB174C01}"/>
+              </a:ext>
+            </a:extLst>
+          </p:cNvPr>
+          <p:cNvPicPr>
+            <a:picLocks noChangeAspect="1"/>
+          </p:cNvPicPr>
+          <p:nvPr/>
+        </p:nvPicPr>
+        <p:blipFill>
+          <a:blip r:embed="rId18">
+            <a:extLst>
+              <a:ext uri="{96DAC541-7B7A-43D3-8B79-37D633B846F1}">
+                <asvg:svgBlip xmlns:asvg="http://schemas.microsoft.com/office/drawing/2016/SVG/main" r:embed="rId19"/>
+              </a:ext>
+            </a:extLst>
+          </a:blip>
+          <a:stretch>
+            <a:fillRect/>
+          </a:stretch>
+        </p:blipFill>
+        <p:spPr>
+          <a:xfrm>
+            <a:off x="3678063" y="5959082"/>
+            <a:ext cx="447222" cy="447222"/>
+          </a:xfrm>
+          <a:prstGeom prst="rect">
+            <a:avLst/>
+          </a:prstGeom>
+        </p:spPr>
+      </p:pic>
+      <p:pic>
+        <p:nvPicPr>
+          <p:cNvPr id="137" name="Graphique 136" descr="Profil mâle avec un remplissage uni">
+            <a:extLst>
+              <a:ext uri="{FF2B5EF4-FFF2-40B4-BE49-F238E27FC236}">
+                <a16:creationId xmlns:a16="http://schemas.microsoft.com/office/drawing/2014/main" id="{BD6C0C3A-3970-4DB1-8CAA-AADCA3C05229}"/>
+              </a:ext>
+            </a:extLst>
+          </p:cNvPr>
+          <p:cNvPicPr>
+            <a:picLocks noChangeAspect="1"/>
+          </p:cNvPicPr>
+          <p:nvPr/>
+        </p:nvPicPr>
+        <p:blipFill>
+          <a:blip r:embed="rId20">
+            <a:extLst>
+              <a:ext uri="{96DAC541-7B7A-43D3-8B79-37D633B846F1}">
+                <asvg:svgBlip xmlns:asvg="http://schemas.microsoft.com/office/drawing/2016/SVG/main" r:embed="rId21"/>
+              </a:ext>
+            </a:extLst>
+          </a:blip>
+          <a:stretch>
+            <a:fillRect/>
+          </a:stretch>
+        </p:blipFill>
+        <p:spPr>
+          <a:xfrm>
+            <a:off x="3940500" y="6093638"/>
+            <a:ext cx="447222" cy="447222"/>
+          </a:xfrm>
+          <a:prstGeom prst="rect">
+            <a:avLst/>
+          </a:prstGeom>
+        </p:spPr>
+      </p:pic>
+      <p:pic>
+        <p:nvPicPr>
+          <p:cNvPr id="138" name="Graphique 137" descr="Profil mâle avec un remplissage uni">
+            <a:extLst>
+              <a:ext uri="{FF2B5EF4-FFF2-40B4-BE49-F238E27FC236}">
+                <a16:creationId xmlns:a16="http://schemas.microsoft.com/office/drawing/2014/main" id="{ED713A94-7576-41AA-A443-505C9BC3E70D}"/>
+              </a:ext>
+            </a:extLst>
+          </p:cNvPr>
+          <p:cNvPicPr>
+            <a:picLocks noChangeAspect="1"/>
+          </p:cNvPicPr>
+          <p:nvPr/>
+        </p:nvPicPr>
+        <p:blipFill>
+          <a:blip r:embed="rId22">
+            <a:extLst>
+              <a:ext uri="{96DAC541-7B7A-43D3-8B79-37D633B846F1}">
+                <asvg:svgBlip xmlns:asvg="http://schemas.microsoft.com/office/drawing/2016/SVG/main" r:embed="rId23"/>
+              </a:ext>
+            </a:extLst>
+          </a:blip>
+          <a:stretch>
+            <a:fillRect/>
+          </a:stretch>
+        </p:blipFill>
+        <p:spPr>
+          <a:xfrm>
+            <a:off x="3464633" y="6265420"/>
+            <a:ext cx="447222" cy="447222"/>
+          </a:xfrm>
+          <a:prstGeom prst="rect">
+            <a:avLst/>
+          </a:prstGeom>
+        </p:spPr>
+      </p:pic>
+      <p:sp>
+        <p:nvSpPr>
+          <p:cNvPr id="139" name="ZoneTexte 138">
+            <a:extLst>
+              <a:ext uri="{FF2B5EF4-FFF2-40B4-BE49-F238E27FC236}">
+                <a16:creationId xmlns:a16="http://schemas.microsoft.com/office/drawing/2014/main" id="{110B39A5-1848-4239-8942-7C5C2EAFE201}"/>
+              </a:ext>
+            </a:extLst>
+          </p:cNvPr>
+          <p:cNvSpPr txBox="1"/>
+          <p:nvPr/>
+        </p:nvSpPr>
+        <p:spPr>
+          <a:xfrm>
+            <a:off x="3826483" y="6500057"/>
+            <a:ext cx="694421" cy="261610"/>
+          </a:xfrm>
+          <a:prstGeom prst="rect">
+            <a:avLst/>
+          </a:prstGeom>
+          <a:noFill/>
+        </p:spPr>
+        <p:txBody>
+          <a:bodyPr wrap="none" rtlCol="0">
+            <a:spAutoFit/>
+          </a:bodyPr>
+          <a:lstStyle/>
+          <a:p>
+            <a:r>
+              <a:rPr lang="en-US" sz="1100" dirty="0"/>
+              <a:t>Team IT</a:t>
+            </a:r>
+          </a:p>
+        </p:txBody>
+      </p:sp>
+      <p:pic>
+        <p:nvPicPr>
+          <p:cNvPr id="147" name="Image 146">
+            <a:extLst>
+              <a:ext uri="{FF2B5EF4-FFF2-40B4-BE49-F238E27FC236}">
+                <a16:creationId xmlns:a16="http://schemas.microsoft.com/office/drawing/2014/main" id="{F523D891-008D-497E-A631-DF3BABF7DD77}"/>
+              </a:ext>
+            </a:extLst>
+          </p:cNvPr>
+          <p:cNvPicPr>
+            <a:picLocks noChangeAspect="1"/>
+          </p:cNvPicPr>
+          <p:nvPr/>
+        </p:nvPicPr>
+        <p:blipFill rotWithShape="1">
+          <a:blip r:embed="rId24"/>
+          <a:srcRect b="5114"/>
+          <a:stretch/>
+        </p:blipFill>
+        <p:spPr>
+          <a:xfrm>
+            <a:off x="8826418" y="5791176"/>
+            <a:ext cx="3162900" cy="952329"/>
+          </a:xfrm>
+          <a:prstGeom prst="rect">
+            <a:avLst/>
+          </a:prstGeom>
+        </p:spPr>
+      </p:pic>
     </p:spTree>
     <p:extLst>
       <p:ext uri="{BB962C8B-B14F-4D97-AF65-F5344CB8AC3E}">
@@ -10658,8 +11478,8 @@
         </p:nvSpPr>
         <p:spPr>
           <a:xfrm>
-            <a:off x="4892698" y="3585195"/>
-            <a:ext cx="5365571" cy="646331"/>
+            <a:off x="4831369" y="3404871"/>
+            <a:ext cx="5394425" cy="923330"/>
           </a:xfrm>
           <a:prstGeom prst="rect">
             <a:avLst/>
@@ -10801,6 +11621,32 @@
                 </a:solidFill>
               </a:rPr>
               <a:t>)</a:t>
+            </a:r>
+          </a:p>
+          <a:p>
+            <a:r>
+              <a:rPr lang="en-US" dirty="0">
+                <a:solidFill>
+                  <a:schemeClr val="bg1"/>
+                </a:solidFill>
+              </a:rPr>
+              <a:t>Non </a:t>
+            </a:r>
+            <a:r>
+              <a:rPr lang="en-US" dirty="0" err="1">
+                <a:solidFill>
+                  <a:schemeClr val="bg1"/>
+                </a:solidFill>
+              </a:rPr>
+              <a:t>répartis</a:t>
+            </a:r>
+            <a:r>
+              <a:rPr lang="en-US" dirty="0">
+                <a:solidFill>
+                  <a:schemeClr val="bg1"/>
+                </a:solidFill>
+              </a:rPr>
+              <a:t> sur </a:t>
             </a:r>
           </a:p>
         </p:txBody>
@@ -12291,20 +13137,24 @@
           <a:lstStyle/>
           <a:p>
             <a:r>
-              <a:rPr lang="en-US" dirty="0" err="1"/>
+              <a:rPr lang="en-US" b="1" dirty="0" err="1"/>
               <a:t>Nombreuses</a:t>
             </a:r>
             <a:r>
+              <a:rPr lang="en-US" b="1" dirty="0"/>
+              <a:t> </a:t>
+            </a:r>
+            <a:r>
+              <a:rPr lang="en-US" b="1" dirty="0" err="1"/>
+              <a:t>variantes</a:t>
+            </a:r>
+            <a:r>
+              <a:rPr lang="en-US" b="1" dirty="0"/>
+              <a:t> </a:t>
+            </a:r>
+            <a:r>
               <a:rPr lang="en-US" dirty="0"/>
-              <a:t> </a:t>
-            </a:r>
-            <a:r>
-              <a:rPr lang="en-US" dirty="0" err="1"/>
-              <a:t>variantes</a:t>
-            </a:r>
-            <a:r>
-              <a:rPr lang="en-US" dirty="0"/>
-              <a:t> de </a:t>
+              <a:t>de </a:t>
             </a:r>
             <a:r>
               <a:rPr lang="en-US" dirty="0" err="1"/>
@@ -12482,7 +13332,12 @@
           <a:lstStyle/>
           <a:p>
             <a:r>
-              <a:rPr lang="en-US" b="1" dirty="0" err="1"/>
+              <a:rPr lang="en-US" sz="2400" b="1" i="1" dirty="0" err="1">
+                <a:solidFill>
+                  <a:srgbClr val="00B0F0"/>
+                </a:solidFill>
+                <a:latin typeface="Montserrat"/>
+              </a:rPr>
               <a:t>Featurize</a:t>
             </a:r>
             <a:r>
@@ -12535,7 +13390,11 @@
           <a:lstStyle/>
           <a:p>
             <a:r>
-              <a:rPr lang="en-US" b="1" dirty="0"/>
+              <a:rPr lang="en-US" b="1" dirty="0">
+                <a:solidFill>
+                  <a:srgbClr val="00B0F0"/>
+                </a:solidFill>
+              </a:rPr>
               <a:t>Load image</a:t>
             </a:r>
           </a:p>
@@ -12599,8 +13458,20 @@
           <a:lstStyle/>
           <a:p>
             <a:r>
+              <a:rPr lang="en-US" b="1" dirty="0">
+                <a:solidFill>
+                  <a:srgbClr val="00B0F0"/>
+                </a:solidFill>
+              </a:rPr>
+              <a:t>CNN predict </a:t>
+            </a:r>
+            <a:r>
               <a:rPr lang="en-US" b="1" dirty="0"/>
-              <a:t>CNN predict [2] (vgg16)</a:t>
+              <a:t>[2] </a:t>
+            </a:r>
+            <a:r>
+              <a:rPr lang="en-US" sz="1400" b="1" i="1" dirty="0"/>
+              <a:t>(vgg16)</a:t>
             </a:r>
             <a:endParaRPr lang="en-US" b="1" i="1" dirty="0"/>
           </a:p>
@@ -12648,8 +13519,19 @@
           <a:lstStyle/>
           <a:p>
             <a:r>
+              <a:rPr lang="en-US" sz="2400" b="1" i="1" dirty="0">
+                <a:solidFill>
+                  <a:schemeClr val="accent2">
+                    <a:lumMod val="75000"/>
+                  </a:schemeClr>
+                </a:solidFill>
+                <a:latin typeface="Montserrat"/>
+              </a:rPr>
+              <a:t>Reduce</a:t>
+            </a:r>
+            <a:r>
               <a:rPr lang="en-US" b="1" dirty="0"/>
-              <a:t>Reduce </a:t>
+              <a:t> </a:t>
             </a:r>
             <a:endParaRPr lang="en-US" i="1" dirty="0"/>
           </a:p>
@@ -12762,7 +13644,13 @@
           <a:lstStyle/>
           <a:p>
             <a:r>
-              <a:rPr lang="en-US" b="1" dirty="0"/>
+              <a:rPr lang="en-US" b="1" dirty="0">
+                <a:solidFill>
+                  <a:schemeClr val="accent2">
+                    <a:lumMod val="75000"/>
+                  </a:schemeClr>
+                </a:solidFill>
+              </a:rPr>
               <a:t>PCA </a:t>
             </a:r>
           </a:p>
@@ -13973,15 +14861,15 @@
           </a:lstStyle>
           <a:p>
             <a:r>
-              <a:rPr lang="en-US" dirty="0"/>
+              <a:rPr lang="en-US" b="1" dirty="0"/>
               <a:t>A </a:t>
             </a:r>
             <a:r>
-              <a:rPr lang="en-US" dirty="0" err="1"/>
+              <a:rPr lang="en-US" b="1" dirty="0" err="1"/>
               <a:t>contextualiser</a:t>
             </a:r>
             <a:r>
-              <a:rPr lang="en-US" dirty="0"/>
+              <a:rPr lang="en-US" b="1" dirty="0"/>
               <a:t> : </a:t>
             </a:r>
             <a:r>
@@ -14067,19 +14955,11 @@
             </a:r>
             <a:r>
               <a:rPr lang="en-US" dirty="0"/>
-              <a:t> alternatives (ex. NMF ameliorant les </a:t>
+              <a:t> alternatives </a:t>
             </a:r>
             <a:r>
               <a:rPr lang="en-US" dirty="0" err="1"/>
-              <a:t>résultats</a:t>
-            </a:r>
-            <a:r>
-              <a:rPr lang="en-US" dirty="0"/>
-              <a:t> – </a:t>
-            </a:r>
-            <a:r>
-              <a:rPr lang="en-US" dirty="0" err="1"/>
-              <a:t>projet</a:t>
+              <a:t>voires</a:t>
             </a:r>
             <a:r>
               <a:rPr lang="en-US" dirty="0"/>
@@ -14087,17 +14967,12 @@
             </a:r>
             <a:r>
               <a:rPr lang="en-US" dirty="0" err="1"/>
-              <a:t>antérieur</a:t>
+              <a:t>incrémentales</a:t>
             </a:r>
             <a:r>
               <a:rPr lang="en-US" dirty="0"/>
-              <a:t> classification bien de </a:t>
-            </a:r>
-            <a:r>
-              <a:rPr lang="en-US" dirty="0" err="1"/>
-              <a:t>consommations</a:t>
-            </a:r>
-            <a:endParaRPr lang="en-US" dirty="0"/>
+              <a:t>?</a:t>
+            </a:r>
           </a:p>
           <a:p>
             <a:pPr lvl="1"/>
@@ -15509,6 +16384,60 @@
           </a:graphicData>
         </a:graphic>
       </p:graphicFrame>
+      <p:sp>
+        <p:nvSpPr>
+          <p:cNvPr id="3" name="Rectangle 2">
+            <a:extLst>
+              <a:ext uri="{FF2B5EF4-FFF2-40B4-BE49-F238E27FC236}">
+                <a16:creationId xmlns:a16="http://schemas.microsoft.com/office/drawing/2014/main" id="{8D4A8CE5-2CB9-4E47-B00F-5B6E92DE4E02}"/>
+              </a:ext>
+            </a:extLst>
+          </p:cNvPr>
+          <p:cNvSpPr/>
+          <p:nvPr/>
+        </p:nvSpPr>
+        <p:spPr>
+          <a:xfrm rot="18844973">
+            <a:off x="3987378" y="3104111"/>
+            <a:ext cx="4748497" cy="923330"/>
+          </a:xfrm>
+          <a:prstGeom prst="rect">
+            <a:avLst/>
+          </a:prstGeom>
+          <a:noFill/>
+        </p:spPr>
+        <p:txBody>
+          <a:bodyPr wrap="square" lIns="91440" tIns="45720" rIns="91440" bIns="45720">
+            <a:spAutoFit/>
+          </a:bodyPr>
+          <a:lstStyle/>
+          <a:p>
+            <a:pPr algn="ctr"/>
+            <a:r>
+              <a:rPr lang="fr-FR" sz="5400" b="1" cap="none" spc="0" dirty="0">
+                <a:ln w="9525">
+                  <a:solidFill>
+                    <a:schemeClr val="bg1"/>
+                  </a:solidFill>
+                  <a:prstDash val="solid"/>
+                </a:ln>
+                <a:solidFill>
+                  <a:schemeClr val="accent5"/>
+                </a:solidFill>
+                <a:effectLst>
+                  <a:outerShdw blurRad="12700" dist="38100" dir="2700000" algn="tl" rotWithShape="0">
+                    <a:schemeClr val="accent5">
+                      <a:lumMod val="60000"/>
+                      <a:lumOff val="40000"/>
+                    </a:schemeClr>
+                  </a:outerShdw>
+                </a:effectLst>
+              </a:rPr>
+              <a:t>DRAFT</a:t>
+            </a:r>
+          </a:p>
+        </p:txBody>
+      </p:sp>
     </p:spTree>
     <p:extLst>
       <p:ext uri="{BB962C8B-B14F-4D97-AF65-F5344CB8AC3E}">
@@ -15574,46 +16503,279 @@
       </p:sp>
       <p:sp>
         <p:nvSpPr>
-          <p:cNvPr id="3" name="Espace réservé du contenu 2">
+          <p:cNvPr id="4" name="Espace réservé du contenu 2">
             <a:extLst>
               <a:ext uri="{FF2B5EF4-FFF2-40B4-BE49-F238E27FC236}">
-                <a16:creationId xmlns:a16="http://schemas.microsoft.com/office/drawing/2014/main" id="{40A91B53-A047-44E7-B7B6-7BA0F58E6ED6}"/>
+                <a16:creationId xmlns:a16="http://schemas.microsoft.com/office/drawing/2014/main" id="{4419509B-BA2E-4F0E-B1CC-325ECFEA3807}"/>
               </a:ext>
             </a:extLst>
           </p:cNvPr>
-          <p:cNvSpPr>
-            <a:spLocks noGrp="1"/>
+          <p:cNvSpPr txBox="1">
+            <a:spLocks/>
           </p:cNvSpPr>
-          <p:nvPr>
-            <p:ph idx="1"/>
-          </p:nvPr>
-        </p:nvSpPr>
-        <p:spPr/>
+          <p:nvPr/>
+        </p:nvSpPr>
+        <p:spPr>
+          <a:xfrm>
+            <a:off x="546857" y="1677799"/>
+            <a:ext cx="11230928" cy="1593908"/>
+          </a:xfrm>
+          <a:prstGeom prst="rect">
+            <a:avLst/>
+          </a:prstGeom>
+          <a:effectLst>
+            <a:outerShdw blurRad="50800" dir="14400000">
+              <a:srgbClr val="000000">
+                <a:alpha val="40000"/>
+              </a:srgbClr>
+            </a:outerShdw>
+          </a:effectLst>
+        </p:spPr>
         <p:txBody>
-          <a:bodyPr>
-            <a:normAutofit lnSpcReduction="10000"/>
+          <a:bodyPr vert="horz" lIns="91440" tIns="45720" rIns="91440" bIns="45720" rtlCol="0" anchor="ctr">
+            <a:normAutofit/>
           </a:bodyPr>
-          <a:lstStyle/>
+          <a:lstStyle>
+            <a:lvl1pPr marL="342900" indent="-342900" algn="l" defTabSz="457200" rtl="0" eaLnBrk="1" latinLnBrk="0" hangingPunct="1">
+              <a:spcBef>
+                <a:spcPct val="20000"/>
+              </a:spcBef>
+              <a:spcAft>
+                <a:spcPts val="600"/>
+              </a:spcAft>
+              <a:buClr>
+                <a:schemeClr val="accent1"/>
+              </a:buClr>
+              <a:buFont typeface="Wingdings 2" charset="2"/>
+              <a:buChar char=""/>
+              <a:defRPr sz="1800" kern="1200">
+                <a:solidFill>
+                  <a:schemeClr val="tx1"/>
+                </a:solidFill>
+                <a:latin typeface="+mn-lt"/>
+                <a:ea typeface="+mn-ea"/>
+                <a:cs typeface="+mn-cs"/>
+              </a:defRPr>
+            </a:lvl1pPr>
+            <a:lvl2pPr marL="742950" indent="-285750" algn="l" defTabSz="457200" rtl="0" eaLnBrk="1" latinLnBrk="0" hangingPunct="1">
+              <a:spcBef>
+                <a:spcPct val="20000"/>
+              </a:spcBef>
+              <a:spcAft>
+                <a:spcPts val="600"/>
+              </a:spcAft>
+              <a:buClr>
+                <a:schemeClr val="accent1"/>
+              </a:buClr>
+              <a:buFont typeface="Wingdings 2" charset="2"/>
+              <a:buChar char=""/>
+              <a:defRPr sz="1600" kern="1200">
+                <a:solidFill>
+                  <a:schemeClr val="tx1"/>
+                </a:solidFill>
+                <a:latin typeface="+mn-lt"/>
+                <a:ea typeface="+mn-ea"/>
+                <a:cs typeface="+mn-cs"/>
+              </a:defRPr>
+            </a:lvl2pPr>
+            <a:lvl3pPr marL="1143000" indent="-228600" algn="l" defTabSz="457200" rtl="0" eaLnBrk="1" latinLnBrk="0" hangingPunct="1">
+              <a:spcBef>
+                <a:spcPct val="20000"/>
+              </a:spcBef>
+              <a:spcAft>
+                <a:spcPts val="600"/>
+              </a:spcAft>
+              <a:buClr>
+                <a:schemeClr val="accent1"/>
+              </a:buClr>
+              <a:buFont typeface="Wingdings 2" charset="2"/>
+              <a:buChar char=""/>
+              <a:defRPr sz="1400" kern="1200">
+                <a:solidFill>
+                  <a:schemeClr val="tx1"/>
+                </a:solidFill>
+                <a:latin typeface="+mn-lt"/>
+                <a:ea typeface="+mn-ea"/>
+                <a:cs typeface="+mn-cs"/>
+              </a:defRPr>
+            </a:lvl3pPr>
+            <a:lvl4pPr marL="1600200" indent="-228600" algn="l" defTabSz="457200" rtl="0" eaLnBrk="1" latinLnBrk="0" hangingPunct="1">
+              <a:spcBef>
+                <a:spcPct val="20000"/>
+              </a:spcBef>
+              <a:spcAft>
+                <a:spcPts val="600"/>
+              </a:spcAft>
+              <a:buClr>
+                <a:schemeClr val="accent1"/>
+              </a:buClr>
+              <a:buFont typeface="Wingdings 2" charset="2"/>
+              <a:buChar char=""/>
+              <a:defRPr sz="1200" kern="1200">
+                <a:solidFill>
+                  <a:schemeClr val="tx1"/>
+                </a:solidFill>
+                <a:latin typeface="+mn-lt"/>
+                <a:ea typeface="+mn-ea"/>
+                <a:cs typeface="+mn-cs"/>
+              </a:defRPr>
+            </a:lvl4pPr>
+            <a:lvl5pPr marL="2057400" indent="-228600" algn="l" defTabSz="457200" rtl="0" eaLnBrk="1" latinLnBrk="0" hangingPunct="1">
+              <a:spcBef>
+                <a:spcPct val="20000"/>
+              </a:spcBef>
+              <a:spcAft>
+                <a:spcPts val="600"/>
+              </a:spcAft>
+              <a:buClr>
+                <a:schemeClr val="accent1"/>
+              </a:buClr>
+              <a:buFont typeface="Wingdings 2" charset="2"/>
+              <a:buChar char=""/>
+              <a:defRPr sz="1200" kern="1200">
+                <a:solidFill>
+                  <a:schemeClr val="tx1"/>
+                </a:solidFill>
+                <a:latin typeface="+mn-lt"/>
+                <a:ea typeface="+mn-ea"/>
+                <a:cs typeface="+mn-cs"/>
+              </a:defRPr>
+            </a:lvl5pPr>
+            <a:lvl6pPr marL="2400000" indent="-228600" algn="l" defTabSz="457200" rtl="0" eaLnBrk="1" latinLnBrk="0" hangingPunct="1">
+              <a:spcBef>
+                <a:spcPct val="20000"/>
+              </a:spcBef>
+              <a:spcAft>
+                <a:spcPts val="600"/>
+              </a:spcAft>
+              <a:buClr>
+                <a:schemeClr val="accent1"/>
+              </a:buClr>
+              <a:buFont typeface="Wingdings 2" charset="2"/>
+              <a:buChar char=""/>
+              <a:defRPr sz="1200" kern="1200">
+                <a:solidFill>
+                  <a:schemeClr val="tx1"/>
+                </a:solidFill>
+                <a:latin typeface="+mn-lt"/>
+                <a:ea typeface="+mn-ea"/>
+                <a:cs typeface="+mn-cs"/>
+              </a:defRPr>
+            </a:lvl6pPr>
+            <a:lvl7pPr marL="2800000" indent="-228600" algn="l" defTabSz="457200" rtl="0" eaLnBrk="1" latinLnBrk="0" hangingPunct="1">
+              <a:spcBef>
+                <a:spcPct val="20000"/>
+              </a:spcBef>
+              <a:spcAft>
+                <a:spcPts val="600"/>
+              </a:spcAft>
+              <a:buClr>
+                <a:schemeClr val="accent1"/>
+              </a:buClr>
+              <a:buFont typeface="Wingdings 2" charset="2"/>
+              <a:buChar char=""/>
+              <a:defRPr sz="1200" kern="1200">
+                <a:solidFill>
+                  <a:schemeClr val="tx1"/>
+                </a:solidFill>
+                <a:latin typeface="+mn-lt"/>
+                <a:ea typeface="+mn-ea"/>
+                <a:cs typeface="+mn-cs"/>
+              </a:defRPr>
+            </a:lvl7pPr>
+            <a:lvl8pPr marL="3200000" indent="-228600" algn="l" defTabSz="457200" rtl="0" eaLnBrk="1" latinLnBrk="0" hangingPunct="1">
+              <a:spcBef>
+                <a:spcPct val="20000"/>
+              </a:spcBef>
+              <a:spcAft>
+                <a:spcPts val="600"/>
+              </a:spcAft>
+              <a:buClr>
+                <a:schemeClr val="accent1"/>
+              </a:buClr>
+              <a:buFont typeface="Wingdings 2" charset="2"/>
+              <a:buChar char=""/>
+              <a:defRPr sz="1200" kern="1200">
+                <a:solidFill>
+                  <a:schemeClr val="tx1"/>
+                </a:solidFill>
+                <a:latin typeface="+mn-lt"/>
+                <a:ea typeface="+mn-ea"/>
+                <a:cs typeface="+mn-cs"/>
+              </a:defRPr>
+            </a:lvl8pPr>
+            <a:lvl9pPr marL="3600000" indent="-228600" algn="l" defTabSz="457200" rtl="0" eaLnBrk="1" latinLnBrk="0" hangingPunct="1">
+              <a:spcBef>
+                <a:spcPct val="20000"/>
+              </a:spcBef>
+              <a:spcAft>
+                <a:spcPts val="600"/>
+              </a:spcAft>
+              <a:buClr>
+                <a:schemeClr val="accent1"/>
+              </a:buClr>
+              <a:buFont typeface="Wingdings 2" charset="2"/>
+              <a:buChar char=""/>
+              <a:defRPr sz="1200" kern="1200">
+                <a:solidFill>
+                  <a:schemeClr val="tx1"/>
+                </a:solidFill>
+                <a:latin typeface="+mn-lt"/>
+                <a:ea typeface="+mn-ea"/>
+                <a:cs typeface="+mn-cs"/>
+              </a:defRPr>
+            </a:lvl9pPr>
+          </a:lstStyle>
           <a:p>
             <a:r>
               <a:rPr lang="en-US" dirty="0"/>
-              <a:t>Perspectives techniques: </a:t>
+              <a:t>Un feature au sein du </a:t>
             </a:r>
             <a:r>
               <a:rPr lang="en-US" dirty="0" err="1"/>
-              <a:t>industrialisation</a:t>
-            </a:r>
-            <a:endParaRPr lang="en-US" dirty="0"/>
-          </a:p>
-          <a:p>
-            <a:pPr lvl="1"/>
+              <a:t>projet</a:t>
+            </a:r>
             <a:r>
               <a:rPr lang="en-US" dirty="0"/>
-              <a:t>Etat de </a:t>
+              <a:t>, au sein de </a:t>
             </a:r>
             <a:r>
               <a:rPr lang="en-US" dirty="0" err="1"/>
-              <a:t>l’art</a:t>
+              <a:t>l’approche</a:t>
+            </a:r>
+            <a:r>
+              <a:rPr lang="en-US" dirty="0"/>
+              <a:t> business de </a:t>
+            </a:r>
+            <a:r>
+              <a:rPr lang="en-US" dirty="0" err="1"/>
+              <a:t>l’entreprise</a:t>
+            </a:r>
+            <a:r>
+              <a:rPr lang="en-US" dirty="0"/>
+              <a:t>.</a:t>
+            </a:r>
+          </a:p>
+          <a:p>
+            <a:r>
+              <a:rPr lang="en-US" dirty="0" err="1"/>
+              <a:t>Sensibilisation</a:t>
+            </a:r>
+            <a:r>
+              <a:rPr lang="en-US" dirty="0"/>
+              <a:t> aux </a:t>
+            </a:r>
+            <a:r>
+              <a:rPr lang="en-US" dirty="0" err="1"/>
+              <a:t>compétences</a:t>
+            </a:r>
+            <a:r>
+              <a:rPr lang="en-US" dirty="0"/>
+              <a:t> experts </a:t>
+            </a:r>
+            <a:r>
+              <a:rPr lang="en-US" dirty="0" err="1"/>
+              <a:t>requises</a:t>
             </a:r>
             <a:r>
               <a:rPr lang="en-US" dirty="0"/>
@@ -15621,49 +16783,101 @@
             </a:r>
           </a:p>
           <a:p>
-            <a:pPr lvl="2"/>
+            <a:pPr lvl="1"/>
+            <a:r>
+              <a:rPr lang="en-US" dirty="0" err="1"/>
+              <a:t>Vivement</a:t>
+            </a:r>
             <a:r>
               <a:rPr lang="en-US" dirty="0"/>
-              <a:t>CNN with </a:t>
+              <a:t> </a:t>
             </a:r>
             <a:r>
               <a:rPr lang="en-US" dirty="0" err="1"/>
-              <a:t>transfert</a:t>
+              <a:t>rejoindre</a:t>
             </a:r>
             <a:r>
               <a:rPr lang="en-US" dirty="0"/>
-              <a:t> learning avec fine tuning pour </a:t>
+              <a:t> </a:t>
             </a:r>
             <a:r>
               <a:rPr lang="en-US" dirty="0" err="1"/>
-              <a:t>meilleur</a:t>
+              <a:t>une</a:t>
             </a:r>
             <a:r>
               <a:rPr lang="en-US" dirty="0"/>
-              <a:t> accuracy</a:t>
-            </a:r>
-          </a:p>
-          <a:p>
-            <a:pPr lvl="2"/>
+              <a:t> </a:t>
+            </a:r>
+            <a:r>
+              <a:rPr lang="en-US" dirty="0" err="1"/>
+              <a:t>équipe</a:t>
+            </a:r>
             <a:r>
               <a:rPr lang="en-US" dirty="0"/>
-              <a:t>Feature map pruning pour simplification et </a:t>
+              <a:t> </a:t>
             </a:r>
             <a:r>
               <a:rPr lang="en-US" dirty="0" err="1"/>
-              <a:t>rapidité</a:t>
+              <a:t>pluridisciplinaire</a:t>
+            </a:r>
+            <a:r>
+              <a:rPr lang="en-US" dirty="0"/>
+              <a:t> et des </a:t>
+            </a:r>
+            <a:r>
+              <a:rPr lang="en-US" dirty="0" err="1"/>
+              <a:t>projets</a:t>
+            </a:r>
+            <a:r>
+              <a:rPr lang="en-US" dirty="0"/>
+              <a:t> </a:t>
+            </a:r>
+            <a:r>
+              <a:rPr lang="en-US" dirty="0" err="1"/>
+              <a:t>collaboratifs</a:t>
             </a:r>
             <a:endParaRPr lang="en-US" dirty="0"/>
           </a:p>
           <a:p>
-            <a:pPr lvl="1"/>
             <a:r>
               <a:rPr lang="en-US" dirty="0"/>
-              <a:t>Refactoring (</a:t>
+              <a:t>Comme pour </a:t>
             </a:r>
             <a:r>
               <a:rPr lang="en-US" dirty="0" err="1"/>
-              <a:t>selon</a:t>
+              <a:t>chaque</a:t>
+            </a:r>
+            <a:r>
+              <a:rPr lang="en-US" dirty="0"/>
+              <a:t> </a:t>
+            </a:r>
+            <a:r>
+              <a:rPr lang="en-US" dirty="0" err="1"/>
+              <a:t>projet</a:t>
+            </a:r>
+            <a:r>
+              <a:rPr lang="en-US" dirty="0"/>
+              <a:t>, un </a:t>
+            </a:r>
+            <a:r>
+              <a:rPr lang="en-US" dirty="0" err="1"/>
+              <a:t>cas</a:t>
+            </a:r>
+            <a:r>
+              <a:rPr lang="en-US" dirty="0"/>
+              <a:t> </a:t>
+            </a:r>
+            <a:r>
+              <a:rPr lang="en-US" dirty="0" err="1"/>
+              <a:t>d’école</a:t>
+            </a:r>
+            <a:r>
+              <a:rPr lang="en-US" dirty="0"/>
+              <a:t> </a:t>
+            </a:r>
+            <a:r>
+              <a:rPr lang="en-US" dirty="0" err="1"/>
+              <a:t>dont</a:t>
             </a:r>
             <a:r>
               <a:rPr lang="en-US" dirty="0"/>
@@ -15671,139 +16885,813 @@
             </a:r>
             <a:r>
               <a:rPr lang="en-US" dirty="0" err="1"/>
-              <a:t>technologie</a:t>
+              <a:t>validité</a:t>
             </a:r>
             <a:r>
               <a:rPr lang="en-US" dirty="0"/>
-              <a:t>)</a:t>
-            </a:r>
-          </a:p>
-          <a:p>
-            <a:pPr lvl="1"/>
+              <a:t> </a:t>
+            </a:r>
+            <a:r>
+              <a:rPr lang="en-US" dirty="0" err="1"/>
+              <a:t>dépendant</a:t>
+            </a:r>
             <a:r>
               <a:rPr lang="en-US" dirty="0"/>
-              <a:t>Scaling vertical vs horizontal et analyze </a:t>
+              <a:t> du </a:t>
             </a:r>
             <a:r>
               <a:rPr lang="en-US" dirty="0" err="1"/>
-              <a:t>economique</a:t>
+              <a:t>contexte</a:t>
             </a:r>
             <a:r>
               <a:rPr lang="en-US" dirty="0"/>
               <a:t>.</a:t>
             </a:r>
           </a:p>
-          <a:p>
-            <a:pPr lvl="1"/>
-            <a:r>
-              <a:rPr lang="en-US" dirty="0"/>
-              <a:t>Extension </a:t>
-            </a:r>
-            <a:r>
-              <a:rPr lang="en-US" dirty="0" err="1"/>
-              <a:t>cas</a:t>
-            </a:r>
-            <a:r>
-              <a:rPr lang="en-US" dirty="0"/>
-              <a:t> reels </a:t>
-            </a:r>
-            <a:r>
-              <a:rPr lang="en-US" dirty="0" err="1"/>
-              <a:t>logique</a:t>
-            </a:r>
-            <a:r>
-              <a:rPr lang="en-US" dirty="0"/>
-              <a:t> </a:t>
-            </a:r>
-            <a:r>
-              <a:rPr lang="en-US" dirty="0" err="1"/>
-              <a:t>utilisateur</a:t>
-            </a:r>
-            <a:r>
-              <a:rPr lang="en-US" dirty="0"/>
-              <a:t> (upstream tasks).</a:t>
-            </a:r>
-          </a:p>
-          <a:p>
-            <a:r>
-              <a:rPr lang="en-US" dirty="0"/>
-              <a:t>Perspective business</a:t>
-            </a:r>
-          </a:p>
-          <a:p>
-            <a:pPr lvl="1"/>
-            <a:r>
-              <a:rPr lang="en-US" dirty="0"/>
-              <a:t>Exploiter le proto </a:t>
-            </a:r>
-            <a:r>
-              <a:rPr lang="en-US" dirty="0" err="1"/>
-              <a:t>d’application</a:t>
-            </a:r>
-            <a:r>
-              <a:rPr lang="en-US" dirty="0"/>
-              <a:t> pour </a:t>
-            </a:r>
-            <a:r>
-              <a:rPr lang="en-US" dirty="0" err="1"/>
-              <a:t>labelisation</a:t>
-            </a:r>
-            <a:r>
-              <a:rPr lang="en-US" dirty="0"/>
-              <a:t> par les </a:t>
-            </a:r>
-            <a:r>
-              <a:rPr lang="en-US" dirty="0" err="1"/>
-              <a:t>utilisateurs</a:t>
-            </a:r>
-            <a:r>
-              <a:rPr lang="en-US" dirty="0"/>
-              <a:t>.</a:t>
-            </a:r>
-          </a:p>
-          <a:p>
-            <a:pPr lvl="1"/>
-            <a:r>
-              <a:rPr lang="en-US" dirty="0" err="1"/>
-              <a:t>Vers</a:t>
-            </a:r>
-            <a:r>
-              <a:rPr lang="en-US" dirty="0"/>
-              <a:t> la cueillette et </a:t>
-            </a:r>
-            <a:r>
-              <a:rPr lang="en-US" dirty="0" err="1"/>
-              <a:t>l’entretien</a:t>
-            </a:r>
-            <a:r>
-              <a:rPr lang="en-US" dirty="0"/>
-              <a:t> : </a:t>
-            </a:r>
-            <a:r>
-              <a:rPr lang="en-US" dirty="0" err="1"/>
-              <a:t>maturité</a:t>
-            </a:r>
-            <a:r>
-              <a:rPr lang="en-US" dirty="0"/>
-              <a:t>, </a:t>
-            </a:r>
-            <a:r>
-              <a:rPr lang="en-US" dirty="0" err="1"/>
-              <a:t>pathologie</a:t>
-            </a:r>
-            <a:r>
-              <a:rPr lang="en-US" dirty="0"/>
-              <a:t>, taille</a:t>
-            </a:r>
-          </a:p>
-          <a:p>
-            <a:pPr marL="457200" lvl="1" indent="0">
+        </p:txBody>
+      </p:sp>
+      <p:sp>
+        <p:nvSpPr>
+          <p:cNvPr id="7" name="Espace réservé du contenu 2">
+            <a:extLst>
+              <a:ext uri="{FF2B5EF4-FFF2-40B4-BE49-F238E27FC236}">
+                <a16:creationId xmlns:a16="http://schemas.microsoft.com/office/drawing/2014/main" id="{6538BE61-4A25-47A7-898E-076EC767432E}"/>
+              </a:ext>
+            </a:extLst>
+          </p:cNvPr>
+          <p:cNvSpPr txBox="1">
+            <a:spLocks/>
+          </p:cNvSpPr>
+          <p:nvPr/>
+        </p:nvSpPr>
+        <p:spPr>
+          <a:xfrm>
+            <a:off x="7007553" y="3271706"/>
+            <a:ext cx="4770232" cy="2038525"/>
+          </a:xfrm>
+          <a:prstGeom prst="rect">
+            <a:avLst/>
+          </a:prstGeom>
+          <a:effectLst>
+            <a:outerShdw blurRad="50800" dir="14400000">
+              <a:srgbClr val="000000">
+                <a:alpha val="40000"/>
+              </a:srgbClr>
+            </a:outerShdw>
+          </a:effectLst>
+        </p:spPr>
+        <p:txBody>
+          <a:bodyPr vert="horz" lIns="91440" tIns="45720" rIns="91440" bIns="45720" rtlCol="0" anchor="ctr">
+            <a:normAutofit/>
+          </a:bodyPr>
+          <a:lstStyle>
+            <a:lvl1pPr marL="342900" indent="-342900" algn="l" defTabSz="457200" rtl="0" eaLnBrk="1" latinLnBrk="0" hangingPunct="1">
+              <a:spcBef>
+                <a:spcPct val="20000"/>
+              </a:spcBef>
+              <a:spcAft>
+                <a:spcPts val="600"/>
+              </a:spcAft>
+              <a:buClr>
+                <a:schemeClr val="accent1"/>
+              </a:buClr>
+              <a:buFont typeface="Wingdings 2" charset="2"/>
+              <a:buChar char=""/>
+              <a:defRPr sz="1800" kern="1200">
+                <a:solidFill>
+                  <a:schemeClr val="tx1"/>
+                </a:solidFill>
+                <a:latin typeface="+mn-lt"/>
+                <a:ea typeface="+mn-ea"/>
+                <a:cs typeface="+mn-cs"/>
+              </a:defRPr>
+            </a:lvl1pPr>
+            <a:lvl2pPr marL="742950" indent="-285750" algn="l" defTabSz="457200" rtl="0" eaLnBrk="1" latinLnBrk="0" hangingPunct="1">
+              <a:spcBef>
+                <a:spcPct val="20000"/>
+              </a:spcBef>
+              <a:spcAft>
+                <a:spcPts val="600"/>
+              </a:spcAft>
+              <a:buClr>
+                <a:schemeClr val="accent1"/>
+              </a:buClr>
+              <a:buFont typeface="Wingdings 2" charset="2"/>
+              <a:buChar char=""/>
+              <a:defRPr sz="1600" kern="1200">
+                <a:solidFill>
+                  <a:schemeClr val="tx1"/>
+                </a:solidFill>
+                <a:latin typeface="+mn-lt"/>
+                <a:ea typeface="+mn-ea"/>
+                <a:cs typeface="+mn-cs"/>
+              </a:defRPr>
+            </a:lvl2pPr>
+            <a:lvl3pPr marL="1143000" indent="-228600" algn="l" defTabSz="457200" rtl="0" eaLnBrk="1" latinLnBrk="0" hangingPunct="1">
+              <a:spcBef>
+                <a:spcPct val="20000"/>
+              </a:spcBef>
+              <a:spcAft>
+                <a:spcPts val="600"/>
+              </a:spcAft>
+              <a:buClr>
+                <a:schemeClr val="accent1"/>
+              </a:buClr>
+              <a:buFont typeface="Wingdings 2" charset="2"/>
+              <a:buChar char=""/>
+              <a:defRPr sz="1400" kern="1200">
+                <a:solidFill>
+                  <a:schemeClr val="tx1"/>
+                </a:solidFill>
+                <a:latin typeface="+mn-lt"/>
+                <a:ea typeface="+mn-ea"/>
+                <a:cs typeface="+mn-cs"/>
+              </a:defRPr>
+            </a:lvl3pPr>
+            <a:lvl4pPr marL="1600200" indent="-228600" algn="l" defTabSz="457200" rtl="0" eaLnBrk="1" latinLnBrk="0" hangingPunct="1">
+              <a:spcBef>
+                <a:spcPct val="20000"/>
+              </a:spcBef>
+              <a:spcAft>
+                <a:spcPts val="600"/>
+              </a:spcAft>
+              <a:buClr>
+                <a:schemeClr val="accent1"/>
+              </a:buClr>
+              <a:buFont typeface="Wingdings 2" charset="2"/>
+              <a:buChar char=""/>
+              <a:defRPr sz="1200" kern="1200">
+                <a:solidFill>
+                  <a:schemeClr val="tx1"/>
+                </a:solidFill>
+                <a:latin typeface="+mn-lt"/>
+                <a:ea typeface="+mn-ea"/>
+                <a:cs typeface="+mn-cs"/>
+              </a:defRPr>
+            </a:lvl4pPr>
+            <a:lvl5pPr marL="2057400" indent="-228600" algn="l" defTabSz="457200" rtl="0" eaLnBrk="1" latinLnBrk="0" hangingPunct="1">
+              <a:spcBef>
+                <a:spcPct val="20000"/>
+              </a:spcBef>
+              <a:spcAft>
+                <a:spcPts val="600"/>
+              </a:spcAft>
+              <a:buClr>
+                <a:schemeClr val="accent1"/>
+              </a:buClr>
+              <a:buFont typeface="Wingdings 2" charset="2"/>
+              <a:buChar char=""/>
+              <a:defRPr sz="1200" kern="1200">
+                <a:solidFill>
+                  <a:schemeClr val="tx1"/>
+                </a:solidFill>
+                <a:latin typeface="+mn-lt"/>
+                <a:ea typeface="+mn-ea"/>
+                <a:cs typeface="+mn-cs"/>
+              </a:defRPr>
+            </a:lvl5pPr>
+            <a:lvl6pPr marL="2400000" indent="-228600" algn="l" defTabSz="457200" rtl="0" eaLnBrk="1" latinLnBrk="0" hangingPunct="1">
+              <a:spcBef>
+                <a:spcPct val="20000"/>
+              </a:spcBef>
+              <a:spcAft>
+                <a:spcPts val="600"/>
+              </a:spcAft>
+              <a:buClr>
+                <a:schemeClr val="accent1"/>
+              </a:buClr>
+              <a:buFont typeface="Wingdings 2" charset="2"/>
+              <a:buChar char=""/>
+              <a:defRPr sz="1200" kern="1200">
+                <a:solidFill>
+                  <a:schemeClr val="tx1"/>
+                </a:solidFill>
+                <a:latin typeface="+mn-lt"/>
+                <a:ea typeface="+mn-ea"/>
+                <a:cs typeface="+mn-cs"/>
+              </a:defRPr>
+            </a:lvl6pPr>
+            <a:lvl7pPr marL="2800000" indent="-228600" algn="l" defTabSz="457200" rtl="0" eaLnBrk="1" latinLnBrk="0" hangingPunct="1">
+              <a:spcBef>
+                <a:spcPct val="20000"/>
+              </a:spcBef>
+              <a:spcAft>
+                <a:spcPts val="600"/>
+              </a:spcAft>
+              <a:buClr>
+                <a:schemeClr val="accent1"/>
+              </a:buClr>
+              <a:buFont typeface="Wingdings 2" charset="2"/>
+              <a:buChar char=""/>
+              <a:defRPr sz="1200" kern="1200">
+                <a:solidFill>
+                  <a:schemeClr val="tx1"/>
+                </a:solidFill>
+                <a:latin typeface="+mn-lt"/>
+                <a:ea typeface="+mn-ea"/>
+                <a:cs typeface="+mn-cs"/>
+              </a:defRPr>
+            </a:lvl7pPr>
+            <a:lvl8pPr marL="3200000" indent="-228600" algn="l" defTabSz="457200" rtl="0" eaLnBrk="1" latinLnBrk="0" hangingPunct="1">
+              <a:spcBef>
+                <a:spcPct val="20000"/>
+              </a:spcBef>
+              <a:spcAft>
+                <a:spcPts val="600"/>
+              </a:spcAft>
+              <a:buClr>
+                <a:schemeClr val="accent1"/>
+              </a:buClr>
+              <a:buFont typeface="Wingdings 2" charset="2"/>
+              <a:buChar char=""/>
+              <a:defRPr sz="1200" kern="1200">
+                <a:solidFill>
+                  <a:schemeClr val="tx1"/>
+                </a:solidFill>
+                <a:latin typeface="+mn-lt"/>
+                <a:ea typeface="+mn-ea"/>
+                <a:cs typeface="+mn-cs"/>
+              </a:defRPr>
+            </a:lvl8pPr>
+            <a:lvl9pPr marL="3600000" indent="-228600" algn="l" defTabSz="457200" rtl="0" eaLnBrk="1" latinLnBrk="0" hangingPunct="1">
+              <a:spcBef>
+                <a:spcPct val="20000"/>
+              </a:spcBef>
+              <a:spcAft>
+                <a:spcPts val="600"/>
+              </a:spcAft>
+              <a:buClr>
+                <a:schemeClr val="accent1"/>
+              </a:buClr>
+              <a:buFont typeface="Wingdings 2" charset="2"/>
+              <a:buChar char=""/>
+              <a:defRPr sz="1200" kern="1200">
+                <a:solidFill>
+                  <a:schemeClr val="tx1"/>
+                </a:solidFill>
+                <a:latin typeface="+mn-lt"/>
+                <a:ea typeface="+mn-ea"/>
+                <a:cs typeface="+mn-cs"/>
+              </a:defRPr>
+            </a:lvl9pPr>
+          </a:lstStyle>
+          <a:p>
+            <a:pPr marL="0" indent="0">
               <a:buNone/>
             </a:pPr>
             <a:endParaRPr lang="en-US" dirty="0"/>
           </a:p>
+          <a:p>
+            <a:pPr marL="0" indent="0">
+              <a:buNone/>
+            </a:pPr>
+            <a:r>
+              <a:rPr lang="en-US" dirty="0"/>
+              <a:t>		Perspectives business: suggestion</a:t>
+            </a:r>
+          </a:p>
+          <a:p>
+            <a:pPr lvl="1"/>
+            <a:r>
+              <a:rPr lang="en-US" dirty="0"/>
+              <a:t>Exploiter </a:t>
+            </a:r>
+            <a:r>
+              <a:rPr lang="en-US" dirty="0" err="1"/>
+              <a:t>l’application</a:t>
+            </a:r>
+            <a:r>
+              <a:rPr lang="en-US" dirty="0"/>
+              <a:t> pour </a:t>
+            </a:r>
+            <a:r>
+              <a:rPr lang="en-US" dirty="0" err="1"/>
+              <a:t>labelisation</a:t>
+            </a:r>
+            <a:r>
+              <a:rPr lang="en-US" dirty="0"/>
+              <a:t> par les </a:t>
+            </a:r>
+            <a:r>
+              <a:rPr lang="en-US" dirty="0" err="1"/>
+              <a:t>utilisateurs</a:t>
+            </a:r>
+            <a:endParaRPr lang="en-US" dirty="0"/>
+          </a:p>
+          <a:p>
+            <a:pPr lvl="1"/>
+            <a:r>
+              <a:rPr lang="en-US" dirty="0" err="1"/>
+              <a:t>Vers</a:t>
+            </a:r>
+            <a:r>
+              <a:rPr lang="en-US" dirty="0"/>
+              <a:t> la cueillette et </a:t>
+            </a:r>
+            <a:r>
+              <a:rPr lang="en-US" dirty="0" err="1"/>
+              <a:t>l’entretien</a:t>
+            </a:r>
+            <a:r>
+              <a:rPr lang="en-US" dirty="0"/>
+              <a:t> : </a:t>
+            </a:r>
+            <a:r>
+              <a:rPr lang="en-US" dirty="0" err="1"/>
+              <a:t>maturité</a:t>
+            </a:r>
+            <a:r>
+              <a:rPr lang="en-US" dirty="0"/>
+              <a:t>, pathologies, </a:t>
+            </a:r>
+            <a:r>
+              <a:rPr lang="en-US" dirty="0" err="1"/>
+              <a:t>entretien</a:t>
+            </a:r>
+            <a:r>
+              <a:rPr lang="en-US" dirty="0"/>
+              <a:t> (taille)</a:t>
+            </a:r>
+          </a:p>
         </p:txBody>
       </p:sp>
+      <p:sp>
+        <p:nvSpPr>
+          <p:cNvPr id="8" name="Espace réservé du contenu 2">
+            <a:extLst>
+              <a:ext uri="{FF2B5EF4-FFF2-40B4-BE49-F238E27FC236}">
+                <a16:creationId xmlns:a16="http://schemas.microsoft.com/office/drawing/2014/main" id="{639BC69D-61A9-44D8-B16C-E99279DB0D00}"/>
+              </a:ext>
+            </a:extLst>
+          </p:cNvPr>
+          <p:cNvSpPr txBox="1">
+            <a:spLocks/>
+          </p:cNvSpPr>
+          <p:nvPr/>
+        </p:nvSpPr>
+        <p:spPr>
+          <a:xfrm>
+            <a:off x="119647" y="3586294"/>
+            <a:ext cx="6887906" cy="2977618"/>
+          </a:xfrm>
+          <a:prstGeom prst="rect">
+            <a:avLst/>
+          </a:prstGeom>
+          <a:effectLst>
+            <a:outerShdw blurRad="50800" dir="14400000">
+              <a:srgbClr val="000000">
+                <a:alpha val="40000"/>
+              </a:srgbClr>
+            </a:outerShdw>
+          </a:effectLst>
+        </p:spPr>
+        <p:txBody>
+          <a:bodyPr vert="horz" lIns="91440" tIns="45720" rIns="91440" bIns="45720" rtlCol="0" anchor="ctr">
+            <a:normAutofit/>
+          </a:bodyPr>
+          <a:lstStyle>
+            <a:lvl1pPr marL="342900" indent="-342900" algn="l" defTabSz="457200" rtl="0" eaLnBrk="1" latinLnBrk="0" hangingPunct="1">
+              <a:spcBef>
+                <a:spcPct val="20000"/>
+              </a:spcBef>
+              <a:spcAft>
+                <a:spcPts val="600"/>
+              </a:spcAft>
+              <a:buClr>
+                <a:schemeClr val="accent1"/>
+              </a:buClr>
+              <a:buFont typeface="Wingdings 2" charset="2"/>
+              <a:buChar char=""/>
+              <a:defRPr sz="1800" kern="1200">
+                <a:solidFill>
+                  <a:schemeClr val="tx1"/>
+                </a:solidFill>
+                <a:latin typeface="+mn-lt"/>
+                <a:ea typeface="+mn-ea"/>
+                <a:cs typeface="+mn-cs"/>
+              </a:defRPr>
+            </a:lvl1pPr>
+            <a:lvl2pPr marL="742950" indent="-285750" algn="l" defTabSz="457200" rtl="0" eaLnBrk="1" latinLnBrk="0" hangingPunct="1">
+              <a:spcBef>
+                <a:spcPct val="20000"/>
+              </a:spcBef>
+              <a:spcAft>
+                <a:spcPts val="600"/>
+              </a:spcAft>
+              <a:buClr>
+                <a:schemeClr val="accent1"/>
+              </a:buClr>
+              <a:buFont typeface="Wingdings 2" charset="2"/>
+              <a:buChar char=""/>
+              <a:defRPr sz="1600" kern="1200">
+                <a:solidFill>
+                  <a:schemeClr val="tx1"/>
+                </a:solidFill>
+                <a:latin typeface="+mn-lt"/>
+                <a:ea typeface="+mn-ea"/>
+                <a:cs typeface="+mn-cs"/>
+              </a:defRPr>
+            </a:lvl2pPr>
+            <a:lvl3pPr marL="1143000" indent="-228600" algn="l" defTabSz="457200" rtl="0" eaLnBrk="1" latinLnBrk="0" hangingPunct="1">
+              <a:spcBef>
+                <a:spcPct val="20000"/>
+              </a:spcBef>
+              <a:spcAft>
+                <a:spcPts val="600"/>
+              </a:spcAft>
+              <a:buClr>
+                <a:schemeClr val="accent1"/>
+              </a:buClr>
+              <a:buFont typeface="Wingdings 2" charset="2"/>
+              <a:buChar char=""/>
+              <a:defRPr sz="1400" kern="1200">
+                <a:solidFill>
+                  <a:schemeClr val="tx1"/>
+                </a:solidFill>
+                <a:latin typeface="+mn-lt"/>
+                <a:ea typeface="+mn-ea"/>
+                <a:cs typeface="+mn-cs"/>
+              </a:defRPr>
+            </a:lvl3pPr>
+            <a:lvl4pPr marL="1600200" indent="-228600" algn="l" defTabSz="457200" rtl="0" eaLnBrk="1" latinLnBrk="0" hangingPunct="1">
+              <a:spcBef>
+                <a:spcPct val="20000"/>
+              </a:spcBef>
+              <a:spcAft>
+                <a:spcPts val="600"/>
+              </a:spcAft>
+              <a:buClr>
+                <a:schemeClr val="accent1"/>
+              </a:buClr>
+              <a:buFont typeface="Wingdings 2" charset="2"/>
+              <a:buChar char=""/>
+              <a:defRPr sz="1200" kern="1200">
+                <a:solidFill>
+                  <a:schemeClr val="tx1"/>
+                </a:solidFill>
+                <a:latin typeface="+mn-lt"/>
+                <a:ea typeface="+mn-ea"/>
+                <a:cs typeface="+mn-cs"/>
+              </a:defRPr>
+            </a:lvl4pPr>
+            <a:lvl5pPr marL="2057400" indent="-228600" algn="l" defTabSz="457200" rtl="0" eaLnBrk="1" latinLnBrk="0" hangingPunct="1">
+              <a:spcBef>
+                <a:spcPct val="20000"/>
+              </a:spcBef>
+              <a:spcAft>
+                <a:spcPts val="600"/>
+              </a:spcAft>
+              <a:buClr>
+                <a:schemeClr val="accent1"/>
+              </a:buClr>
+              <a:buFont typeface="Wingdings 2" charset="2"/>
+              <a:buChar char=""/>
+              <a:defRPr sz="1200" kern="1200">
+                <a:solidFill>
+                  <a:schemeClr val="tx1"/>
+                </a:solidFill>
+                <a:latin typeface="+mn-lt"/>
+                <a:ea typeface="+mn-ea"/>
+                <a:cs typeface="+mn-cs"/>
+              </a:defRPr>
+            </a:lvl5pPr>
+            <a:lvl6pPr marL="2400000" indent="-228600" algn="l" defTabSz="457200" rtl="0" eaLnBrk="1" latinLnBrk="0" hangingPunct="1">
+              <a:spcBef>
+                <a:spcPct val="20000"/>
+              </a:spcBef>
+              <a:spcAft>
+                <a:spcPts val="600"/>
+              </a:spcAft>
+              <a:buClr>
+                <a:schemeClr val="accent1"/>
+              </a:buClr>
+              <a:buFont typeface="Wingdings 2" charset="2"/>
+              <a:buChar char=""/>
+              <a:defRPr sz="1200" kern="1200">
+                <a:solidFill>
+                  <a:schemeClr val="tx1"/>
+                </a:solidFill>
+                <a:latin typeface="+mn-lt"/>
+                <a:ea typeface="+mn-ea"/>
+                <a:cs typeface="+mn-cs"/>
+              </a:defRPr>
+            </a:lvl6pPr>
+            <a:lvl7pPr marL="2800000" indent="-228600" algn="l" defTabSz="457200" rtl="0" eaLnBrk="1" latinLnBrk="0" hangingPunct="1">
+              <a:spcBef>
+                <a:spcPct val="20000"/>
+              </a:spcBef>
+              <a:spcAft>
+                <a:spcPts val="600"/>
+              </a:spcAft>
+              <a:buClr>
+                <a:schemeClr val="accent1"/>
+              </a:buClr>
+              <a:buFont typeface="Wingdings 2" charset="2"/>
+              <a:buChar char=""/>
+              <a:defRPr sz="1200" kern="1200">
+                <a:solidFill>
+                  <a:schemeClr val="tx1"/>
+                </a:solidFill>
+                <a:latin typeface="+mn-lt"/>
+                <a:ea typeface="+mn-ea"/>
+                <a:cs typeface="+mn-cs"/>
+              </a:defRPr>
+            </a:lvl7pPr>
+            <a:lvl8pPr marL="3200000" indent="-228600" algn="l" defTabSz="457200" rtl="0" eaLnBrk="1" latinLnBrk="0" hangingPunct="1">
+              <a:spcBef>
+                <a:spcPct val="20000"/>
+              </a:spcBef>
+              <a:spcAft>
+                <a:spcPts val="600"/>
+              </a:spcAft>
+              <a:buClr>
+                <a:schemeClr val="accent1"/>
+              </a:buClr>
+              <a:buFont typeface="Wingdings 2" charset="2"/>
+              <a:buChar char=""/>
+              <a:defRPr sz="1200" kern="1200">
+                <a:solidFill>
+                  <a:schemeClr val="tx1"/>
+                </a:solidFill>
+                <a:latin typeface="+mn-lt"/>
+                <a:ea typeface="+mn-ea"/>
+                <a:cs typeface="+mn-cs"/>
+              </a:defRPr>
+            </a:lvl8pPr>
+            <a:lvl9pPr marL="3600000" indent="-228600" algn="l" defTabSz="457200" rtl="0" eaLnBrk="1" latinLnBrk="0" hangingPunct="1">
+              <a:spcBef>
+                <a:spcPct val="20000"/>
+              </a:spcBef>
+              <a:spcAft>
+                <a:spcPts val="600"/>
+              </a:spcAft>
+              <a:buClr>
+                <a:schemeClr val="accent1"/>
+              </a:buClr>
+              <a:buFont typeface="Wingdings 2" charset="2"/>
+              <a:buChar char=""/>
+              <a:defRPr sz="1200" kern="1200">
+                <a:solidFill>
+                  <a:schemeClr val="tx1"/>
+                </a:solidFill>
+                <a:latin typeface="+mn-lt"/>
+                <a:ea typeface="+mn-ea"/>
+                <a:cs typeface="+mn-cs"/>
+              </a:defRPr>
+            </a:lvl9pPr>
+          </a:lstStyle>
+          <a:p>
+            <a:pPr marL="0" indent="0">
+              <a:buNone/>
+            </a:pPr>
+            <a:r>
+              <a:rPr lang="en-US" dirty="0"/>
+              <a:t>		Perspectives techniques: </a:t>
+            </a:r>
+            <a:r>
+              <a:rPr lang="en-US" dirty="0" err="1"/>
+              <a:t>industrialisation</a:t>
+            </a:r>
+            <a:endParaRPr lang="en-US" dirty="0"/>
+          </a:p>
+          <a:p>
+            <a:pPr lvl="1"/>
+            <a:r>
+              <a:rPr lang="en-US" dirty="0"/>
+              <a:t>Etat de </a:t>
+            </a:r>
+            <a:r>
+              <a:rPr lang="en-US" dirty="0" err="1"/>
+              <a:t>l’art</a:t>
+            </a:r>
+            <a:r>
+              <a:rPr lang="en-US" dirty="0"/>
+              <a:t> </a:t>
+            </a:r>
+            <a:r>
+              <a:rPr lang="en-US" dirty="0" err="1"/>
+              <a:t>choix</a:t>
+            </a:r>
+            <a:r>
+              <a:rPr lang="en-US" dirty="0"/>
+              <a:t> </a:t>
+            </a:r>
+            <a:r>
+              <a:rPr lang="en-US" dirty="0" err="1"/>
+              <a:t>technologiques</a:t>
+            </a:r>
+            <a:r>
+              <a:rPr lang="en-US" dirty="0"/>
+              <a:t>:</a:t>
+            </a:r>
+          </a:p>
+          <a:p>
+            <a:pPr lvl="2"/>
+            <a:r>
+              <a:rPr lang="en-US" dirty="0" err="1"/>
+              <a:t>Transfert</a:t>
+            </a:r>
+            <a:r>
+              <a:rPr lang="en-US" dirty="0"/>
+              <a:t> learning avec fine tuning pour </a:t>
+            </a:r>
+            <a:r>
+              <a:rPr lang="en-US" dirty="0" err="1"/>
+              <a:t>meilleur</a:t>
+            </a:r>
+            <a:r>
+              <a:rPr lang="en-US" dirty="0"/>
+              <a:t> accuracy</a:t>
+            </a:r>
+          </a:p>
+          <a:p>
+            <a:pPr lvl="2"/>
+            <a:r>
+              <a:rPr lang="en-US" dirty="0"/>
+              <a:t>Feature map pruning pour simplification et </a:t>
+            </a:r>
+            <a:r>
+              <a:rPr lang="en-US" dirty="0" err="1"/>
+              <a:t>rapidité</a:t>
+            </a:r>
+            <a:endParaRPr lang="en-US" dirty="0"/>
+          </a:p>
+          <a:p>
+            <a:pPr lvl="1"/>
+            <a:r>
+              <a:rPr lang="en-US" dirty="0"/>
+              <a:t>Code refactoring (</a:t>
+            </a:r>
+            <a:r>
+              <a:rPr lang="en-US" dirty="0" err="1"/>
+              <a:t>selon</a:t>
+            </a:r>
+            <a:r>
+              <a:rPr lang="en-US" dirty="0"/>
+              <a:t> la </a:t>
+            </a:r>
+            <a:r>
+              <a:rPr lang="en-US" dirty="0" err="1"/>
+              <a:t>technologie</a:t>
+            </a:r>
+            <a:r>
+              <a:rPr lang="en-US" dirty="0"/>
+              <a:t>)</a:t>
+            </a:r>
+          </a:p>
+          <a:p>
+            <a:pPr lvl="1"/>
+            <a:r>
+              <a:rPr lang="en-US" dirty="0"/>
+              <a:t>Scaling vertical vs horizontal, </a:t>
+            </a:r>
+            <a:r>
+              <a:rPr lang="en-US" dirty="0" err="1"/>
+              <a:t>analyse</a:t>
+            </a:r>
+            <a:r>
+              <a:rPr lang="en-US" dirty="0"/>
+              <a:t> </a:t>
+            </a:r>
+            <a:r>
+              <a:rPr lang="en-US" dirty="0" err="1"/>
+              <a:t>technico-économique</a:t>
+            </a:r>
+            <a:endParaRPr lang="en-US" dirty="0"/>
+          </a:p>
+          <a:p>
+            <a:pPr lvl="1"/>
+            <a:r>
+              <a:rPr lang="en-US" dirty="0"/>
+              <a:t>Extension </a:t>
+            </a:r>
+            <a:r>
+              <a:rPr lang="en-US" dirty="0" err="1"/>
+              <a:t>cas</a:t>
+            </a:r>
+            <a:r>
+              <a:rPr lang="en-US" dirty="0"/>
+              <a:t> </a:t>
+            </a:r>
+            <a:r>
+              <a:rPr lang="en-US" dirty="0" err="1"/>
+              <a:t>réels</a:t>
+            </a:r>
+            <a:r>
+              <a:rPr lang="en-US" dirty="0"/>
+              <a:t> </a:t>
+            </a:r>
+            <a:r>
+              <a:rPr lang="en-US" dirty="0" err="1"/>
+              <a:t>logique</a:t>
+            </a:r>
+            <a:r>
+              <a:rPr lang="en-US" dirty="0"/>
+              <a:t> </a:t>
+            </a:r>
+            <a:r>
+              <a:rPr lang="en-US" dirty="0" err="1"/>
+              <a:t>utilisateur</a:t>
+            </a:r>
+            <a:r>
+              <a:rPr lang="en-US" dirty="0"/>
+              <a:t> (upstream tasks)</a:t>
+            </a:r>
+          </a:p>
+          <a:p>
+            <a:pPr lvl="1"/>
+            <a:r>
+              <a:rPr lang="en-US" dirty="0"/>
+              <a:t>Exploitation pour le </a:t>
+            </a:r>
+            <a:r>
+              <a:rPr lang="en-US" dirty="0" err="1"/>
+              <a:t>développement</a:t>
+            </a:r>
+            <a:r>
+              <a:rPr lang="en-US" dirty="0"/>
+              <a:t> du Robot </a:t>
+            </a:r>
+            <a:r>
+              <a:rPr lang="en-US" dirty="0" err="1"/>
+              <a:t>Cueilleur</a:t>
+            </a:r>
+            <a:endParaRPr lang="en-US" dirty="0"/>
+          </a:p>
+        </p:txBody>
+      </p:sp>
+      <p:pic>
+        <p:nvPicPr>
+          <p:cNvPr id="10" name="Graphique 9" descr="Outils avec un remplissage uni">
+            <a:extLst>
+              <a:ext uri="{FF2B5EF4-FFF2-40B4-BE49-F238E27FC236}">
+                <a16:creationId xmlns:a16="http://schemas.microsoft.com/office/drawing/2014/main" id="{97B9A1C9-3773-4225-91F2-2A9109CB1B78}"/>
+              </a:ext>
+            </a:extLst>
+          </p:cNvPr>
+          <p:cNvPicPr>
+            <a:picLocks noChangeAspect="1"/>
+          </p:cNvPicPr>
+          <p:nvPr/>
+        </p:nvPicPr>
+        <p:blipFill>
+          <a:blip r:embed="rId2">
+            <a:extLst>
+              <a:ext uri="{96DAC541-7B7A-43D3-8B79-37D633B846F1}">
+                <asvg:svgBlip xmlns:asvg="http://schemas.microsoft.com/office/drawing/2016/SVG/main" r:embed="rId3"/>
+              </a:ext>
+            </a:extLst>
+          </a:blip>
+          <a:stretch>
+            <a:fillRect/>
+          </a:stretch>
+        </p:blipFill>
+        <p:spPr>
+          <a:xfrm>
+            <a:off x="664931" y="3656984"/>
+            <a:ext cx="419301" cy="419301"/>
+          </a:xfrm>
+          <a:prstGeom prst="rect">
+            <a:avLst/>
+          </a:prstGeom>
+        </p:spPr>
+      </p:pic>
+      <p:pic>
+        <p:nvPicPr>
+          <p:cNvPr id="12" name="Graphique 11" descr="Croissance de l'activité avec un remplissage uni">
+            <a:extLst>
+              <a:ext uri="{FF2B5EF4-FFF2-40B4-BE49-F238E27FC236}">
+                <a16:creationId xmlns:a16="http://schemas.microsoft.com/office/drawing/2014/main" id="{A0AFAFFD-1A43-4104-80A6-A1E4DABD7988}"/>
+              </a:ext>
+            </a:extLst>
+          </p:cNvPr>
+          <p:cNvPicPr>
+            <a:picLocks noChangeAspect="1"/>
+          </p:cNvPicPr>
+          <p:nvPr/>
+        </p:nvPicPr>
+        <p:blipFill>
+          <a:blip r:embed="rId4">
+            <a:extLst>
+              <a:ext uri="{96DAC541-7B7A-43D3-8B79-37D633B846F1}">
+                <asvg:svgBlip xmlns:asvg="http://schemas.microsoft.com/office/drawing/2016/SVG/main" r:embed="rId5"/>
+              </a:ext>
+            </a:extLst>
+          </a:blip>
+          <a:stretch>
+            <a:fillRect/>
+          </a:stretch>
+        </p:blipFill>
+        <p:spPr>
+          <a:xfrm>
+            <a:off x="7502503" y="3609784"/>
+            <a:ext cx="513702" cy="513702"/>
+          </a:xfrm>
+          <a:prstGeom prst="rect">
+            <a:avLst/>
+          </a:prstGeom>
+        </p:spPr>
+      </p:pic>
     </p:spTree>
     <p:extLst>
       <p:ext uri="{BB962C8B-B14F-4D97-AF65-F5344CB8AC3E}">
